--- a/BIP Data Graphs.pptx
+++ b/BIP Data Graphs.pptx
@@ -6,20 +6,24 @@
     <p:sldMasterId id="2147483702" r:id="rId5"/>
   </p:sldMasterIdLst>
   <p:notesMasterIdLst>
-    <p:notesMasterId r:id="rId17"/>
+    <p:notesMasterId r:id="rId21"/>
   </p:notesMasterIdLst>
   <p:sldIdLst>
     <p:sldId id="352" r:id="rId6"/>
     <p:sldId id="387" r:id="rId7"/>
     <p:sldId id="386" r:id="rId8"/>
     <p:sldId id="385" r:id="rId9"/>
-    <p:sldId id="378" r:id="rId10"/>
-    <p:sldId id="379" r:id="rId11"/>
-    <p:sldId id="380" r:id="rId12"/>
-    <p:sldId id="381" r:id="rId13"/>
-    <p:sldId id="382" r:id="rId14"/>
-    <p:sldId id="383" r:id="rId15"/>
-    <p:sldId id="376" r:id="rId16"/>
+    <p:sldId id="388" r:id="rId10"/>
+    <p:sldId id="389" r:id="rId11"/>
+    <p:sldId id="390" r:id="rId12"/>
+    <p:sldId id="391" r:id="rId13"/>
+    <p:sldId id="378" r:id="rId14"/>
+    <p:sldId id="379" r:id="rId15"/>
+    <p:sldId id="380" r:id="rId16"/>
+    <p:sldId id="381" r:id="rId17"/>
+    <p:sldId id="382" r:id="rId18"/>
+    <p:sldId id="392" r:id="rId19"/>
+    <p:sldId id="376" r:id="rId20"/>
   </p:sldIdLst>
   <p:sldSz cx="12192000" cy="6858000"/>
   <p:notesSz cx="6797675" cy="9926638"/>
@@ -6253,7 +6257,7 @@
                   <a:srgbClr val="C00000"/>
                 </a:solidFill>
               </a:rPr>
-              <a:t>Make a data chart</a:t>
+              <a:t>Create a data chart</a:t>
             </a:r>
             <a:endParaRPr lang="en-GB" b="1" dirty="0">
               <a:solidFill>
@@ -6361,7 +6365,7 @@
           <p:cNvPr id="2" name="Title 1">
             <a:extLst>
               <a:ext uri="{FF2B5EF4-FFF2-40B4-BE49-F238E27FC236}">
-                <a16:creationId xmlns:a16="http://schemas.microsoft.com/office/drawing/2014/main" id="{B383FCF0-9098-7603-712F-78A76315441E}"/>
+                <a16:creationId xmlns:a16="http://schemas.microsoft.com/office/drawing/2014/main" id="{FE18CADC-CB04-C8BD-9C66-8F587CD0F66B}"/>
               </a:ext>
             </a:extLst>
           </p:cNvPr>
@@ -6374,52 +6378,32 @@
         </p:nvSpPr>
         <p:spPr/>
         <p:txBody>
-          <a:bodyPr/>
-          <a:lstStyle/>
-          <a:p>
-            <a:r>
-              <a:rPr lang="en-GB" dirty="0"/>
-              <a:t>Bar vs Histogram</a:t>
-            </a:r>
-          </a:p>
-        </p:txBody>
-      </p:sp>
-      <p:sp>
-        <p:nvSpPr>
-          <p:cNvPr id="3" name="Text Placeholder 2">
-            <a:extLst>
-              <a:ext uri="{FF2B5EF4-FFF2-40B4-BE49-F238E27FC236}">
-                <a16:creationId xmlns:a16="http://schemas.microsoft.com/office/drawing/2014/main" id="{A5A0EF28-B11F-2AED-F2AF-8E32C6FCA5D3}"/>
-              </a:ext>
-            </a:extLst>
-          </p:cNvPr>
-          <p:cNvSpPr>
-            <a:spLocks noGrp="1"/>
-          </p:cNvSpPr>
-          <p:nvPr>
-            <p:ph type="body" idx="1"/>
-          </p:nvPr>
-        </p:nvSpPr>
-        <p:spPr/>
-        <p:txBody>
           <a:bodyPr>
-            <a:normAutofit/>
+            <a:normAutofit fontScale="90000"/>
           </a:bodyPr>
           <a:lstStyle/>
           <a:p>
             <a:r>
               <a:rPr lang="en-GB" dirty="0"/>
-              <a:t>Histograms are a great way to show results of continuous data, such as: </a:t>
-            </a:r>
-          </a:p>
-        </p:txBody>
-      </p:sp>
-      <p:sp>
-        <p:nvSpPr>
-          <p:cNvPr id="4" name="Content Placeholder 3">
+              <a:t>A </a:t>
+            </a:r>
+            <a:r>
+              <a:rPr lang="en-GB" b="1" dirty="0"/>
+              <a:t>Bar Graph</a:t>
+            </a:r>
+            <a:r>
+              <a:rPr lang="en-GB" dirty="0"/>
+              <a:t> (also called Bar Chart) is a graphical display of data using bars of different heights. </a:t>
+            </a:r>
+          </a:p>
+        </p:txBody>
+      </p:sp>
+      <p:sp>
+        <p:nvSpPr>
+          <p:cNvPr id="3" name="Text Placeholder 2">
             <a:extLst>
               <a:ext uri="{FF2B5EF4-FFF2-40B4-BE49-F238E27FC236}">
-                <a16:creationId xmlns:a16="http://schemas.microsoft.com/office/drawing/2014/main" id="{70DC1A92-7AE9-650A-BBC4-842187BCFF8B}"/>
+                <a16:creationId xmlns:a16="http://schemas.microsoft.com/office/drawing/2014/main" id="{A6B1E27C-7681-C428-3042-07881375119A}"/>
               </a:ext>
             </a:extLst>
           </p:cNvPr>
@@ -6427,834 +6411,29 @@
             <a:spLocks noGrp="1"/>
           </p:cNvSpPr>
           <p:nvPr>
-            <p:ph sz="half" idx="2"/>
+            <p:ph type="body" idx="1"/>
           </p:nvPr>
         </p:nvSpPr>
         <p:spPr/>
         <p:txBody>
-          <a:bodyPr/>
-          <a:lstStyle/>
-          <a:p>
-            <a:pPr>
-              <a:buFont typeface="Arial" panose="020B0604020202020204" pitchFamily="34" charset="0"/>
-              <a:buChar char="•"/>
-            </a:pPr>
-            <a:r>
-              <a:rPr lang="en-GB" dirty="0"/>
-              <a:t>weight</a:t>
-            </a:r>
-          </a:p>
-          <a:p>
-            <a:pPr>
-              <a:buFont typeface="Arial" panose="020B0604020202020204" pitchFamily="34" charset="0"/>
-              <a:buChar char="•"/>
-            </a:pPr>
-            <a:r>
-              <a:rPr lang="en-GB" dirty="0"/>
-              <a:t>height</a:t>
-            </a:r>
-          </a:p>
-          <a:p>
-            <a:pPr>
-              <a:buFont typeface="Arial" panose="020B0604020202020204" pitchFamily="34" charset="0"/>
-              <a:buChar char="•"/>
-            </a:pPr>
-            <a:r>
-              <a:rPr lang="en-GB" dirty="0"/>
-              <a:t>how much time</a:t>
-            </a:r>
-          </a:p>
-          <a:p>
-            <a:pPr>
-              <a:buFont typeface="Arial" panose="020B0604020202020204" pitchFamily="34" charset="0"/>
-              <a:buChar char="•"/>
-            </a:pPr>
-            <a:r>
-              <a:rPr lang="en-GB" dirty="0"/>
-              <a:t>etc. </a:t>
-            </a:r>
-          </a:p>
-          <a:p>
-            <a:endParaRPr lang="en-GB" dirty="0"/>
-          </a:p>
-        </p:txBody>
-      </p:sp>
-      <p:sp>
-        <p:nvSpPr>
-          <p:cNvPr id="5" name="Text Placeholder 4">
-            <a:extLst>
-              <a:ext uri="{FF2B5EF4-FFF2-40B4-BE49-F238E27FC236}">
-                <a16:creationId xmlns:a16="http://schemas.microsoft.com/office/drawing/2014/main" id="{7E59AADA-0A86-45E4-0A2A-580CB5EBFFFB}"/>
-              </a:ext>
-            </a:extLst>
-          </p:cNvPr>
-          <p:cNvSpPr>
-            <a:spLocks noGrp="1"/>
-          </p:cNvSpPr>
-          <p:nvPr>
-            <p:ph type="body" sz="quarter" idx="3"/>
-          </p:nvPr>
-        </p:nvSpPr>
-        <p:spPr/>
-        <p:txBody>
           <a:bodyPr>
-            <a:normAutofit/>
+            <a:normAutofit fontScale="92500" lnSpcReduction="20000"/>
           </a:bodyPr>
           <a:lstStyle/>
           <a:p>
             <a:r>
               <a:rPr lang="en-GB" dirty="0"/>
-              <a:t>But when the data is in </a:t>
-            </a:r>
-            <a:r>
-              <a:rPr lang="en-GB" b="1" dirty="0"/>
-              <a:t>categories</a:t>
-            </a:r>
-            <a:r>
-              <a:rPr lang="en-GB" dirty="0"/>
-              <a:t> we should use a Bar Chart.</a:t>
-            </a:r>
-          </a:p>
-        </p:txBody>
-      </p:sp>
-      <p:sp>
-        <p:nvSpPr>
-          <p:cNvPr id="6" name="Content Placeholder 5">
-            <a:extLst>
-              <a:ext uri="{FF2B5EF4-FFF2-40B4-BE49-F238E27FC236}">
-                <a16:creationId xmlns:a16="http://schemas.microsoft.com/office/drawing/2014/main" id="{049DB1E6-A272-046C-3749-038365F14CE8}"/>
-              </a:ext>
-            </a:extLst>
-          </p:cNvPr>
-          <p:cNvSpPr>
-            <a:spLocks noGrp="1"/>
-          </p:cNvSpPr>
-          <p:nvPr>
-            <p:ph sz="quarter" idx="4"/>
-          </p:nvPr>
-        </p:nvSpPr>
-        <p:spPr/>
-        <p:txBody>
-          <a:bodyPr/>
-          <a:lstStyle/>
-          <a:p>
-            <a:r>
-              <a:rPr lang="en-GB" dirty="0"/>
-              <a:t>Country</a:t>
-            </a:r>
-          </a:p>
-          <a:p>
-            <a:r>
-              <a:rPr lang="en-GB" dirty="0"/>
-              <a:t>Favourite Movie</a:t>
-            </a:r>
-          </a:p>
-          <a:p>
-            <a:r>
-              <a:rPr lang="en-GB" dirty="0"/>
-              <a:t>etc.</a:t>
-            </a:r>
-          </a:p>
-        </p:txBody>
-      </p:sp>
-      <p:pic>
-        <p:nvPicPr>
-          <p:cNvPr id="8" name="Graphic 7">
-            <a:extLst>
-              <a:ext uri="{FF2B5EF4-FFF2-40B4-BE49-F238E27FC236}">
-                <a16:creationId xmlns:a16="http://schemas.microsoft.com/office/drawing/2014/main" id="{40F16D86-CC35-2F42-0E53-645B53B5658F}"/>
-              </a:ext>
-            </a:extLst>
-          </p:cNvPr>
-          <p:cNvPicPr>
-            <a:picLocks noChangeAspect="1"/>
-          </p:cNvPicPr>
-          <p:nvPr/>
-        </p:nvPicPr>
-        <p:blipFill>
-          <a:blip r:embed="rId2">
-            <a:extLst>
-              <a:ext uri="{28A0092B-C50C-407E-A947-70E740481C1C}">
-                <a14:useLocalDpi xmlns:a14="http://schemas.microsoft.com/office/drawing/2010/main" val="0"/>
-              </a:ext>
-              <a:ext uri="{96DAC541-7B7A-43D3-8B79-37D633B846F1}">
-                <asvg:svgBlip xmlns:asvg="http://schemas.microsoft.com/office/drawing/2016/SVG/main" r:embed="rId3"/>
-              </a:ext>
-            </a:extLst>
-          </a:blip>
-          <a:stretch>
-            <a:fillRect/>
-          </a:stretch>
-        </p:blipFill>
-        <p:spPr>
-          <a:xfrm>
-            <a:off x="4309005" y="4347369"/>
-            <a:ext cx="3552825" cy="1895475"/>
-          </a:xfrm>
-          <a:prstGeom prst="rect">
-            <a:avLst/>
-          </a:prstGeom>
-        </p:spPr>
-      </p:pic>
-    </p:spTree>
-    <p:extLst>
-      <p:ext uri="{BB962C8B-B14F-4D97-AF65-F5344CB8AC3E}">
-        <p14:creationId xmlns:p14="http://schemas.microsoft.com/office/powerpoint/2010/main" val="1984664866"/>
-      </p:ext>
-    </p:extLst>
-  </p:cSld>
-  <p:clrMapOvr>
-    <a:masterClrMapping/>
-  </p:clrMapOvr>
-</p:sld>
-</file>
-
-<file path=ppt/slides/slide11.xml><?xml version="1.0" encoding="utf-8"?>
-<p:sld xmlns:a="http://schemas.openxmlformats.org/drawingml/2006/main" xmlns:r="http://schemas.openxmlformats.org/officeDocument/2006/relationships" xmlns:p="http://schemas.openxmlformats.org/presentationml/2006/main">
-  <p:cSld>
-    <p:spTree>
-      <p:nvGrpSpPr>
-        <p:cNvPr id="1" name=""/>
-        <p:cNvGrpSpPr/>
-        <p:nvPr/>
-      </p:nvGrpSpPr>
-      <p:grpSpPr>
-        <a:xfrm>
-          <a:off x="0" y="0"/>
-          <a:ext cx="0" cy="0"/>
-          <a:chOff x="0" y="0"/>
-          <a:chExt cx="0" cy="0"/>
-        </a:xfrm>
-      </p:grpSpPr>
-      <p:sp>
-        <p:nvSpPr>
-          <p:cNvPr id="2" name="Title 1">
-            <a:extLst>
-              <a:ext uri="{FF2B5EF4-FFF2-40B4-BE49-F238E27FC236}">
-                <a16:creationId xmlns:a16="http://schemas.microsoft.com/office/drawing/2014/main" id="{3F9CAB9A-7051-4816-A0E8-FBE3AD8F0A91}"/>
-              </a:ext>
-            </a:extLst>
-          </p:cNvPr>
-          <p:cNvSpPr>
-            <a:spLocks noGrp="1"/>
-          </p:cNvSpPr>
-          <p:nvPr>
-            <p:ph type="title"/>
-          </p:nvPr>
-        </p:nvSpPr>
-        <p:spPr>
-          <a:xfrm>
-            <a:off x="4329168" y="2025251"/>
-            <a:ext cx="3332261" cy="1303876"/>
-          </a:xfrm>
-        </p:spPr>
-        <p:txBody>
-          <a:bodyPr/>
-          <a:lstStyle/>
-          <a:p>
-            <a:r>
-              <a:rPr lang="en-GB" dirty="0"/>
-              <a:t>Thank you!</a:t>
-            </a:r>
-          </a:p>
-        </p:txBody>
-      </p:sp>
-    </p:spTree>
-    <p:extLst>
-      <p:ext uri="{BB962C8B-B14F-4D97-AF65-F5344CB8AC3E}">
-        <p14:creationId xmlns:p14="http://schemas.microsoft.com/office/powerpoint/2010/main" val="1444793148"/>
-      </p:ext>
-    </p:extLst>
-  </p:cSld>
-  <p:clrMapOvr>
-    <a:masterClrMapping/>
-  </p:clrMapOvr>
-</p:sld>
-</file>
-
-<file path=ppt/slides/slide2.xml><?xml version="1.0" encoding="utf-8"?>
-<p:sld xmlns:a="http://schemas.openxmlformats.org/drawingml/2006/main" xmlns:r="http://schemas.openxmlformats.org/officeDocument/2006/relationships" xmlns:p="http://schemas.openxmlformats.org/presentationml/2006/main">
-  <p:cSld>
-    <p:spTree>
-      <p:nvGrpSpPr>
-        <p:cNvPr id="1" name=""/>
-        <p:cNvGrpSpPr/>
-        <p:nvPr/>
-      </p:nvGrpSpPr>
-      <p:grpSpPr>
-        <a:xfrm>
-          <a:off x="0" y="0"/>
-          <a:ext cx="0" cy="0"/>
-          <a:chOff x="0" y="0"/>
-          <a:chExt cx="0" cy="0"/>
-        </a:xfrm>
-      </p:grpSpPr>
-      <p:sp>
-        <p:nvSpPr>
-          <p:cNvPr id="2" name="Title 1">
-            <a:extLst>
-              <a:ext uri="{FF2B5EF4-FFF2-40B4-BE49-F238E27FC236}">
-                <a16:creationId xmlns:a16="http://schemas.microsoft.com/office/drawing/2014/main" id="{1F9D8568-4920-B2DE-E4FD-C3740EB9764C}"/>
-              </a:ext>
-            </a:extLst>
-          </p:cNvPr>
-          <p:cNvSpPr>
-            <a:spLocks noGrp="1"/>
-          </p:cNvSpPr>
-          <p:nvPr>
-            <p:ph type="title"/>
-          </p:nvPr>
-        </p:nvSpPr>
-        <p:spPr/>
-        <p:txBody>
-          <a:bodyPr/>
-          <a:lstStyle/>
-          <a:p>
-            <a:r>
-              <a:rPr lang="en-GB" dirty="0"/>
-              <a:t>Why data matters in BI?</a:t>
-            </a:r>
-          </a:p>
-        </p:txBody>
-      </p:sp>
-      <p:sp>
-        <p:nvSpPr>
-          <p:cNvPr id="3" name="Content Placeholder 2">
-            <a:extLst>
-              <a:ext uri="{FF2B5EF4-FFF2-40B4-BE49-F238E27FC236}">
-                <a16:creationId xmlns:a16="http://schemas.microsoft.com/office/drawing/2014/main" id="{2575CED9-1A6A-276E-40D5-FD6F87AEDD70}"/>
-              </a:ext>
-            </a:extLst>
-          </p:cNvPr>
-          <p:cNvSpPr>
-            <a:spLocks noGrp="1"/>
-          </p:cNvSpPr>
-          <p:nvPr>
-            <p:ph idx="1"/>
-          </p:nvPr>
-        </p:nvSpPr>
-        <p:spPr/>
-        <p:txBody>
-          <a:bodyPr/>
-          <a:lstStyle/>
-          <a:p>
-            <a:r>
-              <a:rPr lang="en-GB" dirty="0"/>
-              <a:t>Align your business to appropriate BI and analytical solutions. </a:t>
-            </a:r>
-          </a:p>
-          <a:p>
-            <a:r>
-              <a:rPr lang="en-GB" dirty="0"/>
-              <a:t>By using a data understanding framework, you will know your data inventory</a:t>
-            </a:r>
-          </a:p>
-          <a:p>
-            <a:r>
-              <a:rPr lang="en-GB" dirty="0"/>
-              <a:t>Understand data sources and uses and be better positioned for success. </a:t>
-            </a:r>
-          </a:p>
-          <a:p>
-            <a:r>
-              <a:rPr lang="en-GB" dirty="0"/>
-              <a:t>Support decision making in business </a:t>
-            </a:r>
-          </a:p>
-          <a:p>
-            <a:r>
-              <a:rPr lang="en-GB" dirty="0"/>
-              <a:t>Convert business </a:t>
-            </a:r>
-            <a:r>
-              <a:rPr lang="en-GB"/>
-              <a:t>to data-driven</a:t>
-            </a:r>
-            <a:endParaRPr lang="en-GB" dirty="0"/>
-          </a:p>
-        </p:txBody>
-      </p:sp>
-    </p:spTree>
-    <p:extLst>
-      <p:ext uri="{BB962C8B-B14F-4D97-AF65-F5344CB8AC3E}">
-        <p14:creationId xmlns:p14="http://schemas.microsoft.com/office/powerpoint/2010/main" val="2298455202"/>
-      </p:ext>
-    </p:extLst>
-  </p:cSld>
-  <p:clrMapOvr>
-    <a:masterClrMapping/>
-  </p:clrMapOvr>
-</p:sld>
-</file>
-
-<file path=ppt/slides/slide3.xml><?xml version="1.0" encoding="utf-8"?>
-<p:sld xmlns:a="http://schemas.openxmlformats.org/drawingml/2006/main" xmlns:r="http://schemas.openxmlformats.org/officeDocument/2006/relationships" xmlns:p="http://schemas.openxmlformats.org/presentationml/2006/main">
-  <p:cSld>
-    <p:spTree>
-      <p:nvGrpSpPr>
-        <p:cNvPr id="1" name=""/>
-        <p:cNvGrpSpPr/>
-        <p:nvPr/>
-      </p:nvGrpSpPr>
-      <p:grpSpPr>
-        <a:xfrm>
-          <a:off x="0" y="0"/>
-          <a:ext cx="0" cy="0"/>
-          <a:chOff x="0" y="0"/>
-          <a:chExt cx="0" cy="0"/>
-        </a:xfrm>
-      </p:grpSpPr>
-      <p:sp>
-        <p:nvSpPr>
-          <p:cNvPr id="2" name="Title 1">
-            <a:extLst>
-              <a:ext uri="{FF2B5EF4-FFF2-40B4-BE49-F238E27FC236}">
-                <a16:creationId xmlns:a16="http://schemas.microsoft.com/office/drawing/2014/main" id="{61670768-9636-CF8A-CD1A-69FECB009DC1}"/>
-              </a:ext>
-            </a:extLst>
-          </p:cNvPr>
-          <p:cNvSpPr>
-            <a:spLocks noGrp="1"/>
-          </p:cNvSpPr>
-          <p:nvPr>
-            <p:ph type="title"/>
-          </p:nvPr>
-        </p:nvSpPr>
-        <p:spPr/>
-        <p:txBody>
-          <a:bodyPr/>
-          <a:lstStyle/>
-          <a:p>
-            <a:r>
-              <a:rPr lang="en-GB" dirty="0"/>
-              <a:t>How to use data matters for BI?</a:t>
-            </a:r>
-          </a:p>
-        </p:txBody>
-      </p:sp>
-      <p:sp>
-        <p:nvSpPr>
-          <p:cNvPr id="3" name="Content Placeholder 2">
-            <a:extLst>
-              <a:ext uri="{FF2B5EF4-FFF2-40B4-BE49-F238E27FC236}">
-                <a16:creationId xmlns:a16="http://schemas.microsoft.com/office/drawing/2014/main" id="{16AE29B9-4699-E9A6-B2C4-33746E7903FA}"/>
-              </a:ext>
-            </a:extLst>
-          </p:cNvPr>
-          <p:cNvSpPr>
-            <a:spLocks noGrp="1"/>
-          </p:cNvSpPr>
-          <p:nvPr>
-            <p:ph idx="1"/>
-          </p:nvPr>
-        </p:nvSpPr>
-        <p:spPr/>
-        <p:txBody>
-          <a:bodyPr/>
-          <a:lstStyle/>
-          <a:p>
-            <a:pPr>
-              <a:buFont typeface="Arial" panose="020B0604020202020204" pitchFamily="34" charset="0"/>
-              <a:buChar char="•"/>
-            </a:pPr>
-            <a:r>
-              <a:rPr lang="en-GB" dirty="0"/>
-              <a:t>Prioritize BI/analytics efforts to meet business needs.</a:t>
-            </a:r>
-          </a:p>
-          <a:p>
-            <a:pPr>
-              <a:buFont typeface="Arial" panose="020B0604020202020204" pitchFamily="34" charset="0"/>
-              <a:buChar char="•"/>
-            </a:pPr>
-            <a:r>
-              <a:rPr lang="en-GB" dirty="0"/>
-              <a:t>Reach consensus on business vocabulary and definitions.</a:t>
-            </a:r>
-          </a:p>
-          <a:p>
-            <a:pPr>
-              <a:buFont typeface="Arial" panose="020B0604020202020204" pitchFamily="34" charset="0"/>
-              <a:buChar char="•"/>
-            </a:pPr>
-            <a:r>
-              <a:rPr lang="en-GB" dirty="0"/>
-              <a:t>Craft solutions that meet all customer needs and deliver value.</a:t>
-            </a:r>
-          </a:p>
-          <a:p>
-            <a:pPr>
-              <a:buFont typeface="Arial" panose="020B0604020202020204" pitchFamily="34" charset="0"/>
-              <a:buChar char="•"/>
-            </a:pPr>
-            <a:r>
-              <a:rPr lang="en-GB" dirty="0"/>
-              <a:t>Manage costs and risks embedded in current reporting and BI approaches.</a:t>
-            </a:r>
-          </a:p>
-          <a:p>
-            <a:pPr>
-              <a:buFont typeface="Arial" panose="020B0604020202020204" pitchFamily="34" charset="0"/>
-              <a:buChar char="•"/>
-            </a:pPr>
-            <a:r>
-              <a:rPr lang="en-GB" dirty="0"/>
-              <a:t>Partner to expedite “time-to-market” (learn and share).</a:t>
-            </a:r>
-          </a:p>
-          <a:p>
-            <a:pPr marL="0" indent="0">
-              <a:buNone/>
-            </a:pPr>
-            <a:endParaRPr lang="en-GB" dirty="0"/>
-          </a:p>
-        </p:txBody>
-      </p:sp>
-    </p:spTree>
-    <p:extLst>
-      <p:ext uri="{BB962C8B-B14F-4D97-AF65-F5344CB8AC3E}">
-        <p14:creationId xmlns:p14="http://schemas.microsoft.com/office/powerpoint/2010/main" val="2721361240"/>
-      </p:ext>
-    </p:extLst>
-  </p:cSld>
-  <p:clrMapOvr>
-    <a:masterClrMapping/>
-  </p:clrMapOvr>
-</p:sld>
-</file>
-
-<file path=ppt/slides/slide4.xml><?xml version="1.0" encoding="utf-8"?>
-<p:sld xmlns:a="http://schemas.openxmlformats.org/drawingml/2006/main" xmlns:r="http://schemas.openxmlformats.org/officeDocument/2006/relationships" xmlns:p="http://schemas.openxmlformats.org/presentationml/2006/main">
-  <p:cSld>
-    <p:spTree>
-      <p:nvGrpSpPr>
-        <p:cNvPr id="1" name=""/>
-        <p:cNvGrpSpPr/>
-        <p:nvPr/>
-      </p:nvGrpSpPr>
-      <p:grpSpPr>
-        <a:xfrm>
-          <a:off x="0" y="0"/>
-          <a:ext cx="0" cy="0"/>
-          <a:chOff x="0" y="0"/>
-          <a:chExt cx="0" cy="0"/>
-        </a:xfrm>
-      </p:grpSpPr>
-      <p:sp>
-        <p:nvSpPr>
-          <p:cNvPr id="2" name="Title 1">
-            <a:extLst>
-              <a:ext uri="{FF2B5EF4-FFF2-40B4-BE49-F238E27FC236}">
-                <a16:creationId xmlns:a16="http://schemas.microsoft.com/office/drawing/2014/main" id="{4055039E-CF35-1F7E-D433-FA945D060875}"/>
-              </a:ext>
-            </a:extLst>
-          </p:cNvPr>
-          <p:cNvSpPr>
-            <a:spLocks noGrp="1"/>
-          </p:cNvSpPr>
-          <p:nvPr>
-            <p:ph type="title"/>
-          </p:nvPr>
-        </p:nvSpPr>
-        <p:spPr/>
-        <p:txBody>
-          <a:bodyPr/>
-          <a:lstStyle/>
-          <a:p>
-            <a:r>
-              <a:rPr lang="en-GB" dirty="0"/>
-              <a:t>Understand your data</a:t>
-            </a:r>
-          </a:p>
-        </p:txBody>
-      </p:sp>
-      <p:sp>
-        <p:nvSpPr>
-          <p:cNvPr id="3" name="Text Placeholder 2">
-            <a:extLst>
-              <a:ext uri="{FF2B5EF4-FFF2-40B4-BE49-F238E27FC236}">
-                <a16:creationId xmlns:a16="http://schemas.microsoft.com/office/drawing/2014/main" id="{D5F37D52-4523-3611-B038-F565F46C40E6}"/>
-              </a:ext>
-            </a:extLst>
-          </p:cNvPr>
-          <p:cNvSpPr>
-            <a:spLocks noGrp="1"/>
-          </p:cNvSpPr>
-          <p:nvPr>
-            <p:ph type="body" idx="1"/>
-          </p:nvPr>
-        </p:nvSpPr>
-        <p:spPr/>
-        <p:txBody>
-          <a:bodyPr/>
-          <a:lstStyle/>
-          <a:p>
-            <a:r>
-              <a:rPr lang="en-GB" dirty="0"/>
-              <a:t>What is Data?</a:t>
-            </a:r>
-          </a:p>
-        </p:txBody>
-      </p:sp>
-      <p:sp>
-        <p:nvSpPr>
-          <p:cNvPr id="4" name="Content Placeholder 3">
-            <a:extLst>
-              <a:ext uri="{FF2B5EF4-FFF2-40B4-BE49-F238E27FC236}">
-                <a16:creationId xmlns:a16="http://schemas.microsoft.com/office/drawing/2014/main" id="{B4296FD9-922F-590A-90F5-25836CB5491F}"/>
-              </a:ext>
-            </a:extLst>
-          </p:cNvPr>
-          <p:cNvSpPr>
-            <a:spLocks noGrp="1"/>
-          </p:cNvSpPr>
-          <p:nvPr>
-            <p:ph sz="half" idx="2"/>
-          </p:nvPr>
-        </p:nvSpPr>
-        <p:spPr/>
-        <p:txBody>
-          <a:bodyPr>
-            <a:normAutofit lnSpcReduction="10000"/>
-          </a:bodyPr>
-          <a:lstStyle/>
-          <a:p>
-            <a:r>
-              <a:rPr lang="en-GB" dirty="0"/>
-              <a:t>Data is a collection of facts, such as numbers, words, measurements, observations or just descriptions of things.</a:t>
-            </a:r>
-          </a:p>
-          <a:p>
-            <a:r>
-              <a:rPr lang="en-GB" dirty="0"/>
-              <a:t>Discrete Data vs Continuous Data </a:t>
-            </a:r>
-            <a:endParaRPr lang="en-GB" b="1" dirty="0"/>
-          </a:p>
-          <a:p>
-            <a:pPr lvl="1"/>
-            <a:r>
-              <a:rPr lang="en-GB" dirty="0"/>
-              <a:t>Discrete Data can only take certain values.</a:t>
-            </a:r>
-          </a:p>
-          <a:p>
-            <a:pPr lvl="1"/>
-            <a:r>
-              <a:rPr lang="en-GB" dirty="0"/>
-              <a:t>Continuous Data can take any value (within a range)</a:t>
-            </a:r>
-          </a:p>
-          <a:p>
-            <a:pPr lvl="1"/>
-            <a:endParaRPr lang="en-GB" dirty="0"/>
-          </a:p>
-          <a:p>
-            <a:pPr lvl="1"/>
-            <a:endParaRPr lang="en-GB" dirty="0"/>
-          </a:p>
-        </p:txBody>
-      </p:sp>
-      <p:sp>
-        <p:nvSpPr>
-          <p:cNvPr id="5" name="Text Placeholder 4">
-            <a:extLst>
-              <a:ext uri="{FF2B5EF4-FFF2-40B4-BE49-F238E27FC236}">
-                <a16:creationId xmlns:a16="http://schemas.microsoft.com/office/drawing/2014/main" id="{6E60D4A8-196A-3206-ACAD-CEF7AFB6F35F}"/>
-              </a:ext>
-            </a:extLst>
-          </p:cNvPr>
-          <p:cNvSpPr>
-            <a:spLocks noGrp="1"/>
-          </p:cNvSpPr>
-          <p:nvPr>
-            <p:ph type="body" sz="quarter" idx="3"/>
-          </p:nvPr>
-        </p:nvSpPr>
-        <p:spPr/>
-        <p:txBody>
-          <a:bodyPr/>
-          <a:lstStyle/>
-          <a:p>
-            <a:r>
-              <a:rPr lang="en-GB" b="1" dirty="0"/>
-              <a:t>Make your own Graphs</a:t>
-            </a:r>
-          </a:p>
-        </p:txBody>
-      </p:sp>
-      <p:sp>
-        <p:nvSpPr>
-          <p:cNvPr id="6" name="Content Placeholder 5">
-            <a:extLst>
-              <a:ext uri="{FF2B5EF4-FFF2-40B4-BE49-F238E27FC236}">
-                <a16:creationId xmlns:a16="http://schemas.microsoft.com/office/drawing/2014/main" id="{9597B736-DA72-234E-D93A-3F357E925386}"/>
-              </a:ext>
-            </a:extLst>
-          </p:cNvPr>
-          <p:cNvSpPr>
-            <a:spLocks noGrp="1"/>
-          </p:cNvSpPr>
-          <p:nvPr>
-            <p:ph sz="quarter" idx="4"/>
-          </p:nvPr>
-        </p:nvSpPr>
-        <p:spPr/>
-        <p:txBody>
-          <a:bodyPr>
-            <a:normAutofit lnSpcReduction="10000"/>
-          </a:bodyPr>
-          <a:lstStyle/>
-          <a:p>
-            <a:r>
-              <a:rPr lang="en-GB" dirty="0"/>
-              <a:t>Explore the wonderful world of graphs. </a:t>
-            </a:r>
-          </a:p>
-          <a:p>
-            <a:r>
-              <a:rPr lang="en-GB" dirty="0"/>
-              <a:t>Create your own, and see what different functions produce. </a:t>
-            </a:r>
-          </a:p>
-          <a:p>
-            <a:r>
-              <a:rPr lang="en-GB" dirty="0"/>
-              <a:t>Get to understand what is really happening.</a:t>
-            </a:r>
-          </a:p>
-        </p:txBody>
-      </p:sp>
-    </p:spTree>
-    <p:extLst>
-      <p:ext uri="{BB962C8B-B14F-4D97-AF65-F5344CB8AC3E}">
-        <p14:creationId xmlns:p14="http://schemas.microsoft.com/office/powerpoint/2010/main" val="3838295385"/>
-      </p:ext>
-    </p:extLst>
-  </p:cSld>
-  <p:clrMapOvr>
-    <a:masterClrMapping/>
-  </p:clrMapOvr>
-</p:sld>
-</file>
-
-<file path=ppt/slides/slide5.xml><?xml version="1.0" encoding="utf-8"?>
-<p:sld xmlns:a="http://schemas.openxmlformats.org/drawingml/2006/main" xmlns:r="http://schemas.openxmlformats.org/officeDocument/2006/relationships" xmlns:p="http://schemas.openxmlformats.org/presentationml/2006/main">
-  <p:cSld>
-    <p:spTree>
-      <p:nvGrpSpPr>
-        <p:cNvPr id="1" name=""/>
-        <p:cNvGrpSpPr/>
-        <p:nvPr/>
-      </p:nvGrpSpPr>
-      <p:grpSpPr>
-        <a:xfrm>
-          <a:off x="0" y="0"/>
-          <a:ext cx="0" cy="0"/>
-          <a:chOff x="0" y="0"/>
-          <a:chExt cx="0" cy="0"/>
-        </a:xfrm>
-      </p:grpSpPr>
-      <p:sp>
-        <p:nvSpPr>
-          <p:cNvPr id="2" name="Title 1">
-            <a:extLst>
-              <a:ext uri="{FF2B5EF4-FFF2-40B4-BE49-F238E27FC236}">
-                <a16:creationId xmlns:a16="http://schemas.microsoft.com/office/drawing/2014/main" id="{DA0BAC5F-9566-3CA3-3103-6672CFCE7CC1}"/>
-              </a:ext>
-            </a:extLst>
-          </p:cNvPr>
-          <p:cNvSpPr>
-            <a:spLocks noGrp="1"/>
-          </p:cNvSpPr>
-          <p:nvPr>
-            <p:ph type="title"/>
-          </p:nvPr>
-        </p:nvSpPr>
-        <p:spPr/>
-        <p:txBody>
-          <a:bodyPr>
-            <a:noAutofit/>
-          </a:bodyPr>
-          <a:lstStyle/>
-          <a:p>
-            <a:r>
-              <a:rPr lang="en-GB" sz="3600" b="1" dirty="0"/>
-              <a:t>Line Graph</a:t>
-            </a:r>
-            <a:r>
-              <a:rPr lang="en-GB" sz="3600" dirty="0"/>
-              <a:t>: a graph that shows information connected in some way (usually as it changes over time).</a:t>
-            </a:r>
-          </a:p>
-        </p:txBody>
-      </p:sp>
-      <p:sp>
-        <p:nvSpPr>
-          <p:cNvPr id="3" name="Text Placeholder 2">
-            <a:extLst>
-              <a:ext uri="{FF2B5EF4-FFF2-40B4-BE49-F238E27FC236}">
-                <a16:creationId xmlns:a16="http://schemas.microsoft.com/office/drawing/2014/main" id="{FE36046D-F792-F430-7735-712EEDA48AE1}"/>
-              </a:ext>
-            </a:extLst>
-          </p:cNvPr>
-          <p:cNvSpPr>
-            <a:spLocks noGrp="1"/>
-          </p:cNvSpPr>
-          <p:nvPr>
-            <p:ph type="body" idx="1"/>
-          </p:nvPr>
-        </p:nvSpPr>
-        <p:spPr/>
-        <p:txBody>
-          <a:bodyPr>
-            <a:normAutofit fontScale="92500"/>
-          </a:bodyPr>
-          <a:lstStyle/>
-          <a:p>
-            <a:r>
-              <a:rPr lang="en-GB" dirty="0"/>
-              <a:t>You record the temperature outside your house and get these results:</a:t>
-            </a:r>
-          </a:p>
-        </p:txBody>
-      </p:sp>
-      <p:sp>
-        <p:nvSpPr>
-          <p:cNvPr id="5" name="Text Placeholder 4">
-            <a:extLst>
-              <a:ext uri="{FF2B5EF4-FFF2-40B4-BE49-F238E27FC236}">
-                <a16:creationId xmlns:a16="http://schemas.microsoft.com/office/drawing/2014/main" id="{015B7FFC-305D-7DB2-D595-49B11EEF8EA6}"/>
-              </a:ext>
-            </a:extLst>
-          </p:cNvPr>
-          <p:cNvSpPr>
-            <a:spLocks noGrp="1"/>
-          </p:cNvSpPr>
-          <p:nvPr>
-            <p:ph type="body" sz="quarter" idx="3"/>
-          </p:nvPr>
-        </p:nvSpPr>
-        <p:spPr/>
-        <p:txBody>
-          <a:bodyPr>
-            <a:normAutofit fontScale="92500"/>
-          </a:bodyPr>
-          <a:lstStyle/>
-          <a:p>
-            <a:r>
-              <a:rPr lang="en-GB" dirty="0"/>
-              <a:t>You are interested to see how it rises and falls, so decide to make a line graph: </a:t>
+              <a:t>Imagine you just did a survey of your friends to find which kind of movie they liked best:</a:t>
             </a:r>
           </a:p>
         </p:txBody>
       </p:sp>
       <p:graphicFrame>
         <p:nvGraphicFramePr>
-          <p:cNvPr id="7" name="Content Placeholder 6">
+          <p:cNvPr id="11" name="Content Placeholder 10">
             <a:extLst>
               <a:ext uri="{FF2B5EF4-FFF2-40B4-BE49-F238E27FC236}">
-                <a16:creationId xmlns:a16="http://schemas.microsoft.com/office/drawing/2014/main" id="{DA1A2E23-565A-9884-7D6C-8EE662ED5378}"/>
+                <a16:creationId xmlns:a16="http://schemas.microsoft.com/office/drawing/2014/main" id="{B92439B1-B1BC-3566-B8AC-822F6838D985}"/>
               </a:ext>
             </a:extLst>
           </p:cNvPr>
@@ -7265,14 +6444,14 @@
             <p:ph sz="half" idx="2"/>
             <p:extLst>
               <p:ext uri="{D42A27DB-BD31-4B8C-83A1-F6EECF244321}">
-                <p14:modId xmlns:p14="http://schemas.microsoft.com/office/powerpoint/2010/main" val="753698480"/>
+                <p14:modId xmlns:p14="http://schemas.microsoft.com/office/powerpoint/2010/main" val="924167198"/>
               </p:ext>
             </p:extLst>
           </p:nvPr>
         </p:nvGraphicFramePr>
         <p:xfrm>
-          <a:off x="1592725" y="3429000"/>
-          <a:ext cx="2995128" cy="1371600"/>
+          <a:off x="840317" y="3387249"/>
+          <a:ext cx="5255680" cy="1097280"/>
         </p:xfrm>
         <a:graphic>
           <a:graphicData uri="http://schemas.openxmlformats.org/drawingml/2006/table">
@@ -7281,420 +6460,35 @@
                 <a:tableStyleId>{284E427A-3D55-4303-BF80-6455036E1DE7}</a:tableStyleId>
               </a:tblPr>
               <a:tblGrid>
-                <a:gridCol w="748782">
-                  <a:extLst>
-                    <a:ext uri="{9D8B030D-6E8A-4147-A177-3AD203B41FA5}">
-                      <a16:colId xmlns:a16="http://schemas.microsoft.com/office/drawing/2014/main" val="4107069481"/>
-                    </a:ext>
-                  </a:extLst>
-                </a:gridCol>
-                <a:gridCol w="748782">
-                  <a:extLst>
-                    <a:ext uri="{9D8B030D-6E8A-4147-A177-3AD203B41FA5}">
-                      <a16:colId xmlns:a16="http://schemas.microsoft.com/office/drawing/2014/main" val="1391016122"/>
-                    </a:ext>
-                  </a:extLst>
-                </a:gridCol>
-                <a:gridCol w="748782">
-                  <a:extLst>
-                    <a:ext uri="{9D8B030D-6E8A-4147-A177-3AD203B41FA5}">
-                      <a16:colId xmlns:a16="http://schemas.microsoft.com/office/drawing/2014/main" val="1523445018"/>
-                    </a:ext>
-                  </a:extLst>
-                </a:gridCol>
-                <a:gridCol w="748782">
-                  <a:extLst>
-                    <a:ext uri="{9D8B030D-6E8A-4147-A177-3AD203B41FA5}">
-                      <a16:colId xmlns:a16="http://schemas.microsoft.com/office/drawing/2014/main" val="3892203712"/>
-                    </a:ext>
-                  </a:extLst>
-                </a:gridCol>
-              </a:tblGrid>
-              <a:tr h="0">
-                <a:tc gridSpan="4">
-                  <a:txBody>
-                    <a:bodyPr/>
-                    <a:lstStyle/>
-                    <a:p>
-                      <a:pPr algn="ctr"/>
-                      <a:r>
-                        <a:rPr lang="en-GB" b="1" dirty="0"/>
-                        <a:t>Table: Temperature 22 Feb</a:t>
-                      </a:r>
-                      <a:br>
-                        <a:rPr lang="en-GB" b="1" dirty="0"/>
-                      </a:br>
-                      <a:endParaRPr lang="en-GB" dirty="0"/>
-                    </a:p>
-                  </a:txBody>
-                  <a:tcPr anchor="ctr"/>
-                </a:tc>
-                <a:tc hMerge="1">
-                  <a:txBody>
-                    <a:bodyPr/>
-                    <a:lstStyle/>
-                    <a:p>
-                      <a:endParaRPr lang="en-GB"/>
-                    </a:p>
-                  </a:txBody>
-                  <a:tcPr/>
-                </a:tc>
-                <a:tc hMerge="1">
-                  <a:txBody>
-                    <a:bodyPr/>
-                    <a:lstStyle/>
-                    <a:p>
-                      <a:endParaRPr lang="en-GB"/>
-                    </a:p>
-                  </a:txBody>
-                  <a:tcPr/>
-                </a:tc>
-                <a:tc hMerge="1">
-                  <a:txBody>
-                    <a:bodyPr/>
-                    <a:lstStyle/>
-                    <a:p>
-                      <a:endParaRPr lang="en-GB"/>
-                    </a:p>
-                  </a:txBody>
-                  <a:tcPr/>
-                </a:tc>
-                <a:extLst>
-                  <a:ext uri="{0D108BD9-81ED-4DB2-BD59-A6C34878D82A}">
-                    <a16:rowId xmlns:a16="http://schemas.microsoft.com/office/drawing/2014/main" val="1657431967"/>
-                  </a:ext>
-                </a:extLst>
-              </a:tr>
-              <a:tr h="0">
-                <a:tc>
-                  <a:txBody>
-                    <a:bodyPr/>
-                    <a:lstStyle/>
-                    <a:p>
-                      <a:pPr algn="ctr"/>
-                      <a:r>
-                        <a:rPr lang="en-GB"/>
-                        <a:t>8:00</a:t>
-                      </a:r>
-                    </a:p>
-                  </a:txBody>
-                  <a:tcPr anchor="ctr"/>
-                </a:tc>
-                <a:tc>
-                  <a:txBody>
-                    <a:bodyPr/>
-                    <a:lstStyle/>
-                    <a:p>
-                      <a:pPr algn="ctr"/>
-                      <a:r>
-                        <a:rPr lang="en-GB" dirty="0"/>
-                        <a:t>10:00</a:t>
-                      </a:r>
-                    </a:p>
-                  </a:txBody>
-                  <a:tcPr anchor="ctr"/>
-                </a:tc>
-                <a:tc>
-                  <a:txBody>
-                    <a:bodyPr/>
-                    <a:lstStyle/>
-                    <a:p>
-                      <a:pPr algn="ctr"/>
-                      <a:r>
-                        <a:rPr lang="en-GB" dirty="0"/>
-                        <a:t>12:00</a:t>
-                      </a:r>
-                    </a:p>
-                  </a:txBody>
-                  <a:tcPr anchor="ctr"/>
-                </a:tc>
-                <a:tc>
-                  <a:txBody>
-                    <a:bodyPr/>
-                    <a:lstStyle/>
-                    <a:p>
-                      <a:pPr algn="ctr"/>
-                      <a:r>
-                        <a:rPr lang="en-GB"/>
-                        <a:t>14:00</a:t>
-                      </a:r>
-                    </a:p>
-                  </a:txBody>
-                  <a:tcPr anchor="ctr"/>
-                </a:tc>
-                <a:extLst>
-                  <a:ext uri="{0D108BD9-81ED-4DB2-BD59-A6C34878D82A}">
-                    <a16:rowId xmlns:a16="http://schemas.microsoft.com/office/drawing/2014/main" val="3126464334"/>
-                  </a:ext>
-                </a:extLst>
-              </a:tr>
-              <a:tr h="0">
-                <a:tc>
-                  <a:txBody>
-                    <a:bodyPr/>
-                    <a:lstStyle/>
-                    <a:p>
-                      <a:pPr algn="ctr"/>
-                      <a:r>
-                        <a:rPr lang="en-GB"/>
-                        <a:t>24°</a:t>
-                      </a:r>
-                    </a:p>
-                  </a:txBody>
-                  <a:tcPr anchor="ctr"/>
-                </a:tc>
-                <a:tc>
-                  <a:txBody>
-                    <a:bodyPr/>
-                    <a:lstStyle/>
-                    <a:p>
-                      <a:pPr algn="ctr"/>
-                      <a:r>
-                        <a:rPr lang="en-GB"/>
-                        <a:t>32°</a:t>
-                      </a:r>
-                    </a:p>
-                  </a:txBody>
-                  <a:tcPr anchor="ctr"/>
-                </a:tc>
-                <a:tc>
-                  <a:txBody>
-                    <a:bodyPr/>
-                    <a:lstStyle/>
-                    <a:p>
-                      <a:pPr algn="ctr"/>
-                      <a:r>
-                        <a:rPr lang="en-GB"/>
-                        <a:t>36°</a:t>
-                      </a:r>
-                    </a:p>
-                  </a:txBody>
-                  <a:tcPr anchor="ctr"/>
-                </a:tc>
-                <a:tc>
-                  <a:txBody>
-                    <a:bodyPr/>
-                    <a:lstStyle/>
-                    <a:p>
-                      <a:pPr algn="ctr"/>
-                      <a:r>
-                        <a:rPr lang="en-GB" dirty="0"/>
-                        <a:t>29°</a:t>
-                      </a:r>
-                    </a:p>
-                  </a:txBody>
-                  <a:tcPr anchor="ctr"/>
-                </a:tc>
-                <a:extLst>
-                  <a:ext uri="{0D108BD9-81ED-4DB2-BD59-A6C34878D82A}">
-                    <a16:rowId xmlns:a16="http://schemas.microsoft.com/office/drawing/2014/main" val="1920246245"/>
-                  </a:ext>
-                </a:extLst>
-              </a:tr>
-            </a:tbl>
-          </a:graphicData>
-        </a:graphic>
-      </p:graphicFrame>
-      <p:pic>
-        <p:nvPicPr>
-          <p:cNvPr id="8" name="Content Placeholder 7">
-            <a:extLst>
-              <a:ext uri="{FF2B5EF4-FFF2-40B4-BE49-F238E27FC236}">
-                <a16:creationId xmlns:a16="http://schemas.microsoft.com/office/drawing/2014/main" id="{63883073-B27E-D0DE-F625-F69E7CD2C502}"/>
-              </a:ext>
-            </a:extLst>
-          </p:cNvPr>
-          <p:cNvPicPr>
-            <a:picLocks noGrp="1" noChangeAspect="1"/>
-          </p:cNvPicPr>
-          <p:nvPr>
-            <p:ph sz="quarter" idx="4"/>
-          </p:nvPr>
-        </p:nvPicPr>
-        <p:blipFill>
-          <a:blip r:embed="rId2">
-            <a:extLst>
-              <a:ext uri="{28A0092B-C50C-407E-A947-70E740481C1C}">
-                <a14:useLocalDpi xmlns:a14="http://schemas.microsoft.com/office/drawing/2010/main" val="0"/>
-              </a:ext>
-              <a:ext uri="{96DAC541-7B7A-43D3-8B79-37D633B846F1}">
-                <asvg:svgBlip xmlns:asvg="http://schemas.microsoft.com/office/drawing/2016/SVG/main" r:embed="rId3"/>
-              </a:ext>
-            </a:extLst>
-          </a:blip>
-          <a:stretch>
-            <a:fillRect/>
-          </a:stretch>
-        </p:blipFill>
-        <p:spPr>
-          <a:xfrm>
-            <a:off x="7120731" y="3018631"/>
-            <a:ext cx="3286125" cy="2657475"/>
-          </a:xfrm>
-          <a:prstGeom prst="rect">
-            <a:avLst/>
-          </a:prstGeom>
-        </p:spPr>
-      </p:pic>
-    </p:spTree>
-    <p:extLst>
-      <p:ext uri="{BB962C8B-B14F-4D97-AF65-F5344CB8AC3E}">
-        <p14:creationId xmlns:p14="http://schemas.microsoft.com/office/powerpoint/2010/main" val="876798736"/>
-      </p:ext>
-    </p:extLst>
-  </p:cSld>
-  <p:clrMapOvr>
-    <a:masterClrMapping/>
-  </p:clrMapOvr>
-</p:sld>
-</file>
-
-<file path=ppt/slides/slide6.xml><?xml version="1.0" encoding="utf-8"?>
-<p:sld xmlns:a="http://schemas.openxmlformats.org/drawingml/2006/main" xmlns:r="http://schemas.openxmlformats.org/officeDocument/2006/relationships" xmlns:p="http://schemas.openxmlformats.org/presentationml/2006/main">
-  <p:cSld>
-    <p:spTree>
-      <p:nvGrpSpPr>
-        <p:cNvPr id="1" name=""/>
-        <p:cNvGrpSpPr/>
-        <p:nvPr/>
-      </p:nvGrpSpPr>
-      <p:grpSpPr>
-        <a:xfrm>
-          <a:off x="0" y="0"/>
-          <a:ext cx="0" cy="0"/>
-          <a:chOff x="0" y="0"/>
-          <a:chExt cx="0" cy="0"/>
-        </a:xfrm>
-      </p:grpSpPr>
-      <p:sp>
-        <p:nvSpPr>
-          <p:cNvPr id="2" name="Title 1">
-            <a:extLst>
-              <a:ext uri="{FF2B5EF4-FFF2-40B4-BE49-F238E27FC236}">
-                <a16:creationId xmlns:a16="http://schemas.microsoft.com/office/drawing/2014/main" id="{FE18CADC-CB04-C8BD-9C66-8F587CD0F66B}"/>
-              </a:ext>
-            </a:extLst>
-          </p:cNvPr>
-          <p:cNvSpPr>
-            <a:spLocks noGrp="1"/>
-          </p:cNvSpPr>
-          <p:nvPr>
-            <p:ph type="title"/>
-          </p:nvPr>
-        </p:nvSpPr>
-        <p:spPr/>
-        <p:txBody>
-          <a:bodyPr>
-            <a:normAutofit fontScale="90000"/>
-          </a:bodyPr>
-          <a:lstStyle/>
-          <a:p>
-            <a:r>
-              <a:rPr lang="en-GB" dirty="0"/>
-              <a:t>A </a:t>
-            </a:r>
-            <a:r>
-              <a:rPr lang="en-GB" b="1" dirty="0"/>
-              <a:t>Bar Graph</a:t>
-            </a:r>
-            <a:r>
-              <a:rPr lang="en-GB" dirty="0"/>
-              <a:t> (also called Bar Chart) is a graphical display of data using bars of different heights. </a:t>
-            </a:r>
-          </a:p>
-        </p:txBody>
-      </p:sp>
-      <p:sp>
-        <p:nvSpPr>
-          <p:cNvPr id="3" name="Text Placeholder 2">
-            <a:extLst>
-              <a:ext uri="{FF2B5EF4-FFF2-40B4-BE49-F238E27FC236}">
-                <a16:creationId xmlns:a16="http://schemas.microsoft.com/office/drawing/2014/main" id="{A6B1E27C-7681-C428-3042-07881375119A}"/>
-              </a:ext>
-            </a:extLst>
-          </p:cNvPr>
-          <p:cNvSpPr>
-            <a:spLocks noGrp="1"/>
-          </p:cNvSpPr>
-          <p:nvPr>
-            <p:ph type="body" idx="1"/>
-          </p:nvPr>
-        </p:nvSpPr>
-        <p:spPr/>
-        <p:txBody>
-          <a:bodyPr>
-            <a:normAutofit fontScale="92500" lnSpcReduction="20000"/>
-          </a:bodyPr>
-          <a:lstStyle/>
-          <a:p>
-            <a:r>
-              <a:rPr lang="en-GB" dirty="0"/>
-              <a:t>Imagine you just did a survey of your friends to find which kind of movie they liked best:</a:t>
-            </a:r>
-          </a:p>
-        </p:txBody>
-      </p:sp>
-      <p:graphicFrame>
-        <p:nvGraphicFramePr>
-          <p:cNvPr id="11" name="Content Placeholder 10">
-            <a:extLst>
-              <a:ext uri="{FF2B5EF4-FFF2-40B4-BE49-F238E27FC236}">
-                <a16:creationId xmlns:a16="http://schemas.microsoft.com/office/drawing/2014/main" id="{B92439B1-B1BC-3566-B8AC-822F6838D985}"/>
-              </a:ext>
-            </a:extLst>
-          </p:cNvPr>
-          <p:cNvGraphicFramePr>
-            <a:graphicFrameLocks noGrp="1"/>
-          </p:cNvGraphicFramePr>
-          <p:nvPr>
-            <p:ph sz="half" idx="2"/>
-            <p:extLst>
-              <p:ext uri="{D42A27DB-BD31-4B8C-83A1-F6EECF244321}">
-                <p14:modId xmlns:p14="http://schemas.microsoft.com/office/powerpoint/2010/main" val="2945607061"/>
-              </p:ext>
-            </p:extLst>
-          </p:nvPr>
-        </p:nvGraphicFramePr>
-        <p:xfrm>
-          <a:off x="1895475" y="3387249"/>
-          <a:ext cx="3048000" cy="1920240"/>
-        </p:xfrm>
-        <a:graphic>
-          <a:graphicData uri="http://schemas.openxmlformats.org/drawingml/2006/table">
-            <a:tbl>
-              <a:tblPr>
-                <a:tableStyleId>{284E427A-3D55-4303-BF80-6455036E1DE7}</a:tableStyleId>
-              </a:tblPr>
-              <a:tblGrid>
-                <a:gridCol w="609600">
+                <a:gridCol w="1051136">
                   <a:extLst>
                     <a:ext uri="{9D8B030D-6E8A-4147-A177-3AD203B41FA5}">
                       <a16:colId xmlns:a16="http://schemas.microsoft.com/office/drawing/2014/main" val="2491468403"/>
                     </a:ext>
                   </a:extLst>
                 </a:gridCol>
-                <a:gridCol w="609600">
+                <a:gridCol w="1051136">
                   <a:extLst>
                     <a:ext uri="{9D8B030D-6E8A-4147-A177-3AD203B41FA5}">
                       <a16:colId xmlns:a16="http://schemas.microsoft.com/office/drawing/2014/main" val="3914856133"/>
                     </a:ext>
                   </a:extLst>
                 </a:gridCol>
-                <a:gridCol w="609600">
+                <a:gridCol w="1051136">
                   <a:extLst>
                     <a:ext uri="{9D8B030D-6E8A-4147-A177-3AD203B41FA5}">
                       <a16:colId xmlns:a16="http://schemas.microsoft.com/office/drawing/2014/main" val="973275317"/>
                     </a:ext>
                   </a:extLst>
                 </a:gridCol>
-                <a:gridCol w="609600">
+                <a:gridCol w="1051136">
                   <a:extLst>
                     <a:ext uri="{9D8B030D-6E8A-4147-A177-3AD203B41FA5}">
                       <a16:colId xmlns:a16="http://schemas.microsoft.com/office/drawing/2014/main" val="3319032252"/>
                     </a:ext>
                   </a:extLst>
                 </a:gridCol>
-                <a:gridCol w="609600">
+                <a:gridCol w="1051136">
                   <a:extLst>
                     <a:ext uri="{9D8B030D-6E8A-4147-A177-3AD203B41FA5}">
                       <a16:colId xmlns:a16="http://schemas.microsoft.com/office/drawing/2014/main" val="3147189740"/>
@@ -7772,7 +6566,7 @@
                     <a:p>
                       <a:pPr algn="ctr"/>
                       <a:r>
-                        <a:rPr lang="en-GB"/>
+                        <a:rPr lang="en-GB" dirty="0"/>
                         <a:t>Comedy</a:t>
                       </a:r>
                     </a:p>
@@ -8003,7 +6797,7 @@
 </p:sld>
 </file>
 
-<file path=ppt/slides/slide7.xml><?xml version="1.0" encoding="utf-8"?>
+<file path=ppt/slides/slide11.xml><?xml version="1.0" encoding="utf-8"?>
 <p:sld xmlns:a="http://schemas.openxmlformats.org/drawingml/2006/main" xmlns:r="http://schemas.openxmlformats.org/officeDocument/2006/relationships" xmlns:p="http://schemas.openxmlformats.org/presentationml/2006/main">
   <p:cSld>
     <p:spTree>
@@ -8098,14 +6892,14 @@
             <p:ph sz="half" idx="2"/>
             <p:extLst>
               <p:ext uri="{D42A27DB-BD31-4B8C-83A1-F6EECF244321}">
-                <p14:modId xmlns:p14="http://schemas.microsoft.com/office/powerpoint/2010/main" val="4289850190"/>
+                <p14:modId xmlns:p14="http://schemas.microsoft.com/office/powerpoint/2010/main" val="2928947446"/>
               </p:ext>
             </p:extLst>
           </p:nvPr>
         </p:nvGraphicFramePr>
         <p:xfrm>
-          <a:off x="1895475" y="3387249"/>
-          <a:ext cx="3048000" cy="1920240"/>
+          <a:off x="738390" y="3429000"/>
+          <a:ext cx="5357610" cy="1097280"/>
         </p:xfrm>
         <a:graphic>
           <a:graphicData uri="http://schemas.openxmlformats.org/drawingml/2006/table">
@@ -8114,35 +6908,35 @@
                 <a:tableStyleId>{284E427A-3D55-4303-BF80-6455036E1DE7}</a:tableStyleId>
               </a:tblPr>
               <a:tblGrid>
-                <a:gridCol w="609600">
+                <a:gridCol w="1071522">
                   <a:extLst>
                     <a:ext uri="{9D8B030D-6E8A-4147-A177-3AD203B41FA5}">
                       <a16:colId xmlns:a16="http://schemas.microsoft.com/office/drawing/2014/main" val="2842424248"/>
                     </a:ext>
                   </a:extLst>
                 </a:gridCol>
-                <a:gridCol w="609600">
+                <a:gridCol w="1071522">
                   <a:extLst>
                     <a:ext uri="{9D8B030D-6E8A-4147-A177-3AD203B41FA5}">
                       <a16:colId xmlns:a16="http://schemas.microsoft.com/office/drawing/2014/main" val="3667577776"/>
                     </a:ext>
                   </a:extLst>
                 </a:gridCol>
-                <a:gridCol w="609600">
+                <a:gridCol w="1071522">
                   <a:extLst>
                     <a:ext uri="{9D8B030D-6E8A-4147-A177-3AD203B41FA5}">
                       <a16:colId xmlns:a16="http://schemas.microsoft.com/office/drawing/2014/main" val="2388002697"/>
                     </a:ext>
                   </a:extLst>
                 </a:gridCol>
-                <a:gridCol w="609600">
+                <a:gridCol w="1071522">
                   <a:extLst>
                     <a:ext uri="{9D8B030D-6E8A-4147-A177-3AD203B41FA5}">
                       <a16:colId xmlns:a16="http://schemas.microsoft.com/office/drawing/2014/main" val="1823942342"/>
                     </a:ext>
                   </a:extLst>
                 </a:gridCol>
-                <a:gridCol w="609600">
+                <a:gridCol w="1071522">
                   <a:extLst>
                     <a:ext uri="{9D8B030D-6E8A-4147-A177-3AD203B41FA5}">
                       <a16:colId xmlns:a16="http://schemas.microsoft.com/office/drawing/2014/main" val="503411458"/>
@@ -8158,10 +6952,10 @@
                     <a:p>
                       <a:pPr algn="ctr"/>
                       <a:r>
-                        <a:rPr lang="en-GB" b="1"/>
+                        <a:rPr lang="en-GB" b="1" dirty="0"/>
                         <a:t>Table: Favourite Type of Movie</a:t>
                       </a:r>
-                      <a:endParaRPr lang="en-GB"/>
+                      <a:endParaRPr lang="en-GB" dirty="0"/>
                     </a:p>
                   </a:txBody>
                   <a:tcPr anchor="ctr"/>
@@ -8449,7 +7243,7 @@
 </p:sld>
 </file>
 
-<file path=ppt/slides/slide8.xml><?xml version="1.0" encoding="utf-8"?>
+<file path=ppt/slides/slide12.xml><?xml version="1.0" encoding="utf-8"?>
 <p:sld xmlns:a="http://schemas.openxmlformats.org/drawingml/2006/main" xmlns:r="http://schemas.openxmlformats.org/officeDocument/2006/relationships" xmlns:p="http://schemas.openxmlformats.org/presentationml/2006/main">
   <p:cSld>
     <p:spTree>
@@ -9143,7 +7937,7 @@
 </p:sld>
 </file>
 
-<file path=ppt/slides/slide9.xml><?xml version="1.0" encoding="utf-8"?>
+<file path=ppt/slides/slide13.xml><?xml version="1.0" encoding="utf-8"?>
 <p:sld xmlns:a="http://schemas.openxmlformats.org/drawingml/2006/main" xmlns:r="http://schemas.openxmlformats.org/officeDocument/2006/relationships" xmlns:p="http://schemas.openxmlformats.org/presentationml/2006/main">
   <p:cSld>
     <p:spTree>
@@ -9451,6 +8245,3003 @@
     <p:extLst>
       <p:ext uri="{BB962C8B-B14F-4D97-AF65-F5344CB8AC3E}">
         <p14:creationId xmlns:p14="http://schemas.microsoft.com/office/powerpoint/2010/main" val="3031129137"/>
+      </p:ext>
+    </p:extLst>
+  </p:cSld>
+  <p:clrMapOvr>
+    <a:masterClrMapping/>
+  </p:clrMapOvr>
+</p:sld>
+</file>
+
+<file path=ppt/slides/slide14.xml><?xml version="1.0" encoding="utf-8"?>
+<p:sld xmlns:a="http://schemas.openxmlformats.org/drawingml/2006/main" xmlns:r="http://schemas.openxmlformats.org/officeDocument/2006/relationships" xmlns:p="http://schemas.openxmlformats.org/presentationml/2006/main">
+  <p:cSld>
+    <p:spTree>
+      <p:nvGrpSpPr>
+        <p:cNvPr id="1" name=""/>
+        <p:cNvGrpSpPr/>
+        <p:nvPr/>
+      </p:nvGrpSpPr>
+      <p:grpSpPr>
+        <a:xfrm>
+          <a:off x="0" y="0"/>
+          <a:ext cx="0" cy="0"/>
+          <a:chOff x="0" y="0"/>
+          <a:chExt cx="0" cy="0"/>
+        </a:xfrm>
+      </p:grpSpPr>
+      <p:sp>
+        <p:nvSpPr>
+          <p:cNvPr id="2" name="Title 1">
+            <a:extLst>
+              <a:ext uri="{FF2B5EF4-FFF2-40B4-BE49-F238E27FC236}">
+                <a16:creationId xmlns:a16="http://schemas.microsoft.com/office/drawing/2014/main" id="{27C03585-1BE3-8142-F523-DE47EDA56C31}"/>
+              </a:ext>
+            </a:extLst>
+          </p:cNvPr>
+          <p:cNvSpPr>
+            <a:spLocks noGrp="1"/>
+          </p:cNvSpPr>
+          <p:nvPr>
+            <p:ph type="title"/>
+          </p:nvPr>
+        </p:nvSpPr>
+        <p:spPr/>
+        <p:txBody>
+          <a:bodyPr/>
+          <a:lstStyle/>
+          <a:p>
+            <a:r>
+              <a:rPr lang="en-GB" dirty="0"/>
+              <a:t>Bar vs Histogram</a:t>
+            </a:r>
+          </a:p>
+        </p:txBody>
+      </p:sp>
+      <p:sp>
+        <p:nvSpPr>
+          <p:cNvPr id="3" name="Text Placeholder 2">
+            <a:extLst>
+              <a:ext uri="{FF2B5EF4-FFF2-40B4-BE49-F238E27FC236}">
+                <a16:creationId xmlns:a16="http://schemas.microsoft.com/office/drawing/2014/main" id="{2C225527-5B66-0E45-E60C-27DDE23EC8FC}"/>
+              </a:ext>
+            </a:extLst>
+          </p:cNvPr>
+          <p:cNvSpPr>
+            <a:spLocks noGrp="1"/>
+          </p:cNvSpPr>
+          <p:nvPr>
+            <p:ph type="body" idx="1"/>
+          </p:nvPr>
+        </p:nvSpPr>
+        <p:spPr/>
+        <p:txBody>
+          <a:bodyPr/>
+          <a:lstStyle/>
+          <a:p>
+            <a:r>
+              <a:rPr lang="en-GB" dirty="0"/>
+              <a:t>When the data is in </a:t>
+            </a:r>
+            <a:r>
+              <a:rPr lang="en-GB" b="1" dirty="0"/>
+              <a:t>categories</a:t>
+            </a:r>
+            <a:r>
+              <a:rPr lang="en-GB" dirty="0"/>
+              <a:t> we should use a Bar Chart.</a:t>
+            </a:r>
+          </a:p>
+        </p:txBody>
+      </p:sp>
+      <p:sp>
+        <p:nvSpPr>
+          <p:cNvPr id="4" name="Content Placeholder 3">
+            <a:extLst>
+              <a:ext uri="{FF2B5EF4-FFF2-40B4-BE49-F238E27FC236}">
+                <a16:creationId xmlns:a16="http://schemas.microsoft.com/office/drawing/2014/main" id="{40F0178A-F634-AF2B-3637-2BDA3DAD0ECF}"/>
+              </a:ext>
+            </a:extLst>
+          </p:cNvPr>
+          <p:cNvSpPr>
+            <a:spLocks noGrp="1"/>
+          </p:cNvSpPr>
+          <p:nvPr>
+            <p:ph sz="half" idx="2"/>
+          </p:nvPr>
+        </p:nvSpPr>
+        <p:spPr/>
+        <p:txBody>
+          <a:bodyPr/>
+          <a:lstStyle/>
+          <a:p>
+            <a:r>
+              <a:rPr lang="en-GB" dirty="0"/>
+              <a:t>Country</a:t>
+            </a:r>
+          </a:p>
+          <a:p>
+            <a:r>
+              <a:rPr lang="en-GB" dirty="0"/>
+              <a:t>Favourite Movie</a:t>
+            </a:r>
+          </a:p>
+          <a:p>
+            <a:r>
+              <a:rPr lang="en-GB" dirty="0"/>
+              <a:t>etc.</a:t>
+            </a:r>
+          </a:p>
+        </p:txBody>
+      </p:sp>
+      <p:sp>
+        <p:nvSpPr>
+          <p:cNvPr id="5" name="Text Placeholder 4">
+            <a:extLst>
+              <a:ext uri="{FF2B5EF4-FFF2-40B4-BE49-F238E27FC236}">
+                <a16:creationId xmlns:a16="http://schemas.microsoft.com/office/drawing/2014/main" id="{6251E7DE-9F30-F397-D3D0-77C948CD7D4D}"/>
+              </a:ext>
+            </a:extLst>
+          </p:cNvPr>
+          <p:cNvSpPr>
+            <a:spLocks noGrp="1"/>
+          </p:cNvSpPr>
+          <p:nvPr>
+            <p:ph type="body" sz="quarter" idx="3"/>
+          </p:nvPr>
+        </p:nvSpPr>
+        <p:spPr/>
+        <p:txBody>
+          <a:bodyPr/>
+          <a:lstStyle/>
+          <a:p>
+            <a:r>
+              <a:rPr lang="en-GB" dirty="0"/>
+              <a:t>Histograms are a great way to show results of continuous data, such as: </a:t>
+            </a:r>
+          </a:p>
+        </p:txBody>
+      </p:sp>
+      <p:sp>
+        <p:nvSpPr>
+          <p:cNvPr id="6" name="Content Placeholder 5">
+            <a:extLst>
+              <a:ext uri="{FF2B5EF4-FFF2-40B4-BE49-F238E27FC236}">
+                <a16:creationId xmlns:a16="http://schemas.microsoft.com/office/drawing/2014/main" id="{53293346-FE4A-A1DB-D18F-1CFA1CA656B7}"/>
+              </a:ext>
+            </a:extLst>
+          </p:cNvPr>
+          <p:cNvSpPr>
+            <a:spLocks noGrp="1"/>
+          </p:cNvSpPr>
+          <p:nvPr>
+            <p:ph sz="quarter" idx="4"/>
+          </p:nvPr>
+        </p:nvSpPr>
+        <p:spPr/>
+        <p:txBody>
+          <a:bodyPr/>
+          <a:lstStyle/>
+          <a:p>
+            <a:pPr>
+              <a:buFont typeface="Arial" panose="020B0604020202020204" pitchFamily="34" charset="0"/>
+              <a:buChar char="•"/>
+            </a:pPr>
+            <a:r>
+              <a:rPr lang="en-GB" dirty="0"/>
+              <a:t>weight</a:t>
+            </a:r>
+          </a:p>
+          <a:p>
+            <a:pPr>
+              <a:buFont typeface="Arial" panose="020B0604020202020204" pitchFamily="34" charset="0"/>
+              <a:buChar char="•"/>
+            </a:pPr>
+            <a:r>
+              <a:rPr lang="en-GB" dirty="0"/>
+              <a:t>height</a:t>
+            </a:r>
+          </a:p>
+          <a:p>
+            <a:pPr>
+              <a:buFont typeface="Arial" panose="020B0604020202020204" pitchFamily="34" charset="0"/>
+              <a:buChar char="•"/>
+            </a:pPr>
+            <a:r>
+              <a:rPr lang="en-GB" dirty="0"/>
+              <a:t>how much time</a:t>
+            </a:r>
+          </a:p>
+          <a:p>
+            <a:pPr>
+              <a:buFont typeface="Arial" panose="020B0604020202020204" pitchFamily="34" charset="0"/>
+              <a:buChar char="•"/>
+            </a:pPr>
+            <a:r>
+              <a:rPr lang="en-GB" dirty="0"/>
+              <a:t>etc. </a:t>
+            </a:r>
+          </a:p>
+        </p:txBody>
+      </p:sp>
+      <p:pic>
+        <p:nvPicPr>
+          <p:cNvPr id="7" name="Graphic 6">
+            <a:extLst>
+              <a:ext uri="{FF2B5EF4-FFF2-40B4-BE49-F238E27FC236}">
+                <a16:creationId xmlns:a16="http://schemas.microsoft.com/office/drawing/2014/main" id="{CBA95D65-A28E-21C7-CA6E-4A3BE555BE50}"/>
+              </a:ext>
+            </a:extLst>
+          </p:cNvPr>
+          <p:cNvPicPr>
+            <a:picLocks noChangeAspect="1"/>
+          </p:cNvPicPr>
+          <p:nvPr/>
+        </p:nvPicPr>
+        <p:blipFill>
+          <a:blip r:embed="rId2">
+            <a:extLst>
+              <a:ext uri="{28A0092B-C50C-407E-A947-70E740481C1C}">
+                <a14:useLocalDpi xmlns:a14="http://schemas.microsoft.com/office/drawing/2010/main" val="0"/>
+              </a:ext>
+              <a:ext uri="{96DAC541-7B7A-43D3-8B79-37D633B846F1}">
+                <asvg:svgBlip xmlns:asvg="http://schemas.microsoft.com/office/drawing/2016/SVG/main" r:embed="rId3"/>
+              </a:ext>
+            </a:extLst>
+          </a:blip>
+          <a:stretch>
+            <a:fillRect/>
+          </a:stretch>
+        </p:blipFill>
+        <p:spPr>
+          <a:xfrm>
+            <a:off x="4309005" y="4347369"/>
+            <a:ext cx="3552825" cy="1895475"/>
+          </a:xfrm>
+          <a:prstGeom prst="rect">
+            <a:avLst/>
+          </a:prstGeom>
+        </p:spPr>
+      </p:pic>
+    </p:spTree>
+    <p:extLst>
+      <p:ext uri="{BB962C8B-B14F-4D97-AF65-F5344CB8AC3E}">
+        <p14:creationId xmlns:p14="http://schemas.microsoft.com/office/powerpoint/2010/main" val="2287977351"/>
+      </p:ext>
+    </p:extLst>
+  </p:cSld>
+  <p:clrMapOvr>
+    <a:masterClrMapping/>
+  </p:clrMapOvr>
+</p:sld>
+</file>
+
+<file path=ppt/slides/slide15.xml><?xml version="1.0" encoding="utf-8"?>
+<p:sld xmlns:a="http://schemas.openxmlformats.org/drawingml/2006/main" xmlns:r="http://schemas.openxmlformats.org/officeDocument/2006/relationships" xmlns:p="http://schemas.openxmlformats.org/presentationml/2006/main">
+  <p:cSld>
+    <p:spTree>
+      <p:nvGrpSpPr>
+        <p:cNvPr id="1" name=""/>
+        <p:cNvGrpSpPr/>
+        <p:nvPr/>
+      </p:nvGrpSpPr>
+      <p:grpSpPr>
+        <a:xfrm>
+          <a:off x="0" y="0"/>
+          <a:ext cx="0" cy="0"/>
+          <a:chOff x="0" y="0"/>
+          <a:chExt cx="0" cy="0"/>
+        </a:xfrm>
+      </p:grpSpPr>
+      <p:sp>
+        <p:nvSpPr>
+          <p:cNvPr id="2" name="Title 1">
+            <a:extLst>
+              <a:ext uri="{FF2B5EF4-FFF2-40B4-BE49-F238E27FC236}">
+                <a16:creationId xmlns:a16="http://schemas.microsoft.com/office/drawing/2014/main" id="{3F9CAB9A-7051-4816-A0E8-FBE3AD8F0A91}"/>
+              </a:ext>
+            </a:extLst>
+          </p:cNvPr>
+          <p:cNvSpPr>
+            <a:spLocks noGrp="1"/>
+          </p:cNvSpPr>
+          <p:nvPr>
+            <p:ph type="title"/>
+          </p:nvPr>
+        </p:nvSpPr>
+        <p:spPr>
+          <a:xfrm>
+            <a:off x="4329168" y="2025251"/>
+            <a:ext cx="3332261" cy="1303876"/>
+          </a:xfrm>
+        </p:spPr>
+        <p:txBody>
+          <a:bodyPr/>
+          <a:lstStyle/>
+          <a:p>
+            <a:r>
+              <a:rPr lang="en-GB" dirty="0"/>
+              <a:t>Thank you!</a:t>
+            </a:r>
+          </a:p>
+        </p:txBody>
+      </p:sp>
+    </p:spTree>
+    <p:extLst>
+      <p:ext uri="{BB962C8B-B14F-4D97-AF65-F5344CB8AC3E}">
+        <p14:creationId xmlns:p14="http://schemas.microsoft.com/office/powerpoint/2010/main" val="1444793148"/>
+      </p:ext>
+    </p:extLst>
+  </p:cSld>
+  <p:clrMapOvr>
+    <a:masterClrMapping/>
+  </p:clrMapOvr>
+</p:sld>
+</file>
+
+<file path=ppt/slides/slide2.xml><?xml version="1.0" encoding="utf-8"?>
+<p:sld xmlns:a="http://schemas.openxmlformats.org/drawingml/2006/main" xmlns:r="http://schemas.openxmlformats.org/officeDocument/2006/relationships" xmlns:p="http://schemas.openxmlformats.org/presentationml/2006/main">
+  <p:cSld>
+    <p:spTree>
+      <p:nvGrpSpPr>
+        <p:cNvPr id="1" name=""/>
+        <p:cNvGrpSpPr/>
+        <p:nvPr/>
+      </p:nvGrpSpPr>
+      <p:grpSpPr>
+        <a:xfrm>
+          <a:off x="0" y="0"/>
+          <a:ext cx="0" cy="0"/>
+          <a:chOff x="0" y="0"/>
+          <a:chExt cx="0" cy="0"/>
+        </a:xfrm>
+      </p:grpSpPr>
+      <p:sp>
+        <p:nvSpPr>
+          <p:cNvPr id="2" name="Title 1">
+            <a:extLst>
+              <a:ext uri="{FF2B5EF4-FFF2-40B4-BE49-F238E27FC236}">
+                <a16:creationId xmlns:a16="http://schemas.microsoft.com/office/drawing/2014/main" id="{1F9D8568-4920-B2DE-E4FD-C3740EB9764C}"/>
+              </a:ext>
+            </a:extLst>
+          </p:cNvPr>
+          <p:cNvSpPr>
+            <a:spLocks noGrp="1"/>
+          </p:cNvSpPr>
+          <p:nvPr>
+            <p:ph type="title"/>
+          </p:nvPr>
+        </p:nvSpPr>
+        <p:spPr/>
+        <p:txBody>
+          <a:bodyPr/>
+          <a:lstStyle/>
+          <a:p>
+            <a:r>
+              <a:rPr lang="en-GB" dirty="0"/>
+              <a:t>Why data matters in BI?</a:t>
+            </a:r>
+          </a:p>
+        </p:txBody>
+      </p:sp>
+      <p:sp>
+        <p:nvSpPr>
+          <p:cNvPr id="3" name="Content Placeholder 2">
+            <a:extLst>
+              <a:ext uri="{FF2B5EF4-FFF2-40B4-BE49-F238E27FC236}">
+                <a16:creationId xmlns:a16="http://schemas.microsoft.com/office/drawing/2014/main" id="{2575CED9-1A6A-276E-40D5-FD6F87AEDD70}"/>
+              </a:ext>
+            </a:extLst>
+          </p:cNvPr>
+          <p:cNvSpPr>
+            <a:spLocks noGrp="1"/>
+          </p:cNvSpPr>
+          <p:nvPr>
+            <p:ph idx="1"/>
+          </p:nvPr>
+        </p:nvSpPr>
+        <p:spPr/>
+        <p:txBody>
+          <a:bodyPr/>
+          <a:lstStyle/>
+          <a:p>
+            <a:r>
+              <a:rPr lang="en-GB" dirty="0"/>
+              <a:t>Align your business to appropriate BI and analytical solutions. </a:t>
+            </a:r>
+          </a:p>
+          <a:p>
+            <a:r>
+              <a:rPr lang="en-GB" dirty="0"/>
+              <a:t>By using a data understanding framework, you will know your data inventory</a:t>
+            </a:r>
+          </a:p>
+          <a:p>
+            <a:r>
+              <a:rPr lang="en-GB" dirty="0"/>
+              <a:t>Understand data sources and uses and be better positioned for success. </a:t>
+            </a:r>
+          </a:p>
+          <a:p>
+            <a:r>
+              <a:rPr lang="en-GB" dirty="0"/>
+              <a:t>Support decision making in business </a:t>
+            </a:r>
+          </a:p>
+          <a:p>
+            <a:r>
+              <a:rPr lang="en-GB" dirty="0"/>
+              <a:t>Convert business </a:t>
+            </a:r>
+            <a:r>
+              <a:rPr lang="en-GB"/>
+              <a:t>to data-driven</a:t>
+            </a:r>
+            <a:endParaRPr lang="en-GB" dirty="0"/>
+          </a:p>
+        </p:txBody>
+      </p:sp>
+    </p:spTree>
+    <p:extLst>
+      <p:ext uri="{BB962C8B-B14F-4D97-AF65-F5344CB8AC3E}">
+        <p14:creationId xmlns:p14="http://schemas.microsoft.com/office/powerpoint/2010/main" val="2298455202"/>
+      </p:ext>
+    </p:extLst>
+  </p:cSld>
+  <p:clrMapOvr>
+    <a:masterClrMapping/>
+  </p:clrMapOvr>
+</p:sld>
+</file>
+
+<file path=ppt/slides/slide3.xml><?xml version="1.0" encoding="utf-8"?>
+<p:sld xmlns:a="http://schemas.openxmlformats.org/drawingml/2006/main" xmlns:r="http://schemas.openxmlformats.org/officeDocument/2006/relationships" xmlns:p="http://schemas.openxmlformats.org/presentationml/2006/main">
+  <p:cSld>
+    <p:spTree>
+      <p:nvGrpSpPr>
+        <p:cNvPr id="1" name=""/>
+        <p:cNvGrpSpPr/>
+        <p:nvPr/>
+      </p:nvGrpSpPr>
+      <p:grpSpPr>
+        <a:xfrm>
+          <a:off x="0" y="0"/>
+          <a:ext cx="0" cy="0"/>
+          <a:chOff x="0" y="0"/>
+          <a:chExt cx="0" cy="0"/>
+        </a:xfrm>
+      </p:grpSpPr>
+      <p:sp>
+        <p:nvSpPr>
+          <p:cNvPr id="2" name="Title 1">
+            <a:extLst>
+              <a:ext uri="{FF2B5EF4-FFF2-40B4-BE49-F238E27FC236}">
+                <a16:creationId xmlns:a16="http://schemas.microsoft.com/office/drawing/2014/main" id="{61670768-9636-CF8A-CD1A-69FECB009DC1}"/>
+              </a:ext>
+            </a:extLst>
+          </p:cNvPr>
+          <p:cNvSpPr>
+            <a:spLocks noGrp="1"/>
+          </p:cNvSpPr>
+          <p:nvPr>
+            <p:ph type="title"/>
+          </p:nvPr>
+        </p:nvSpPr>
+        <p:spPr/>
+        <p:txBody>
+          <a:bodyPr/>
+          <a:lstStyle/>
+          <a:p>
+            <a:r>
+              <a:rPr lang="en-GB" dirty="0"/>
+              <a:t>How to use data for BI?</a:t>
+            </a:r>
+          </a:p>
+        </p:txBody>
+      </p:sp>
+      <p:sp>
+        <p:nvSpPr>
+          <p:cNvPr id="3" name="Content Placeholder 2">
+            <a:extLst>
+              <a:ext uri="{FF2B5EF4-FFF2-40B4-BE49-F238E27FC236}">
+                <a16:creationId xmlns:a16="http://schemas.microsoft.com/office/drawing/2014/main" id="{16AE29B9-4699-E9A6-B2C4-33746E7903FA}"/>
+              </a:ext>
+            </a:extLst>
+          </p:cNvPr>
+          <p:cNvSpPr>
+            <a:spLocks noGrp="1"/>
+          </p:cNvSpPr>
+          <p:nvPr>
+            <p:ph idx="1"/>
+          </p:nvPr>
+        </p:nvSpPr>
+        <p:spPr/>
+        <p:txBody>
+          <a:bodyPr/>
+          <a:lstStyle/>
+          <a:p>
+            <a:pPr>
+              <a:buFont typeface="Arial" panose="020B0604020202020204" pitchFamily="34" charset="0"/>
+              <a:buChar char="•"/>
+            </a:pPr>
+            <a:r>
+              <a:rPr lang="en-GB" dirty="0"/>
+              <a:t>Prioritize BI/analytics efforts to meet business needs.</a:t>
+            </a:r>
+          </a:p>
+          <a:p>
+            <a:pPr>
+              <a:buFont typeface="Arial" panose="020B0604020202020204" pitchFamily="34" charset="0"/>
+              <a:buChar char="•"/>
+            </a:pPr>
+            <a:r>
+              <a:rPr lang="en-GB" dirty="0"/>
+              <a:t>Reach consensus on business vocabulary and definitions.</a:t>
+            </a:r>
+          </a:p>
+          <a:p>
+            <a:pPr>
+              <a:buFont typeface="Arial" panose="020B0604020202020204" pitchFamily="34" charset="0"/>
+              <a:buChar char="•"/>
+            </a:pPr>
+            <a:r>
+              <a:rPr lang="en-GB" dirty="0"/>
+              <a:t>Craft solutions that meet all customer needs and deliver value.</a:t>
+            </a:r>
+          </a:p>
+          <a:p>
+            <a:pPr>
+              <a:buFont typeface="Arial" panose="020B0604020202020204" pitchFamily="34" charset="0"/>
+              <a:buChar char="•"/>
+            </a:pPr>
+            <a:r>
+              <a:rPr lang="en-GB" dirty="0"/>
+              <a:t>Manage costs and risks embedded in current reporting and BI approaches.</a:t>
+            </a:r>
+          </a:p>
+          <a:p>
+            <a:pPr>
+              <a:buFont typeface="Arial" panose="020B0604020202020204" pitchFamily="34" charset="0"/>
+              <a:buChar char="•"/>
+            </a:pPr>
+            <a:r>
+              <a:rPr lang="en-GB" dirty="0"/>
+              <a:t>Partner to expedite “time-to-market” (learn and share).</a:t>
+            </a:r>
+          </a:p>
+          <a:p>
+            <a:pPr marL="0" indent="0">
+              <a:buNone/>
+            </a:pPr>
+            <a:endParaRPr lang="en-GB" dirty="0"/>
+          </a:p>
+        </p:txBody>
+      </p:sp>
+    </p:spTree>
+    <p:extLst>
+      <p:ext uri="{BB962C8B-B14F-4D97-AF65-F5344CB8AC3E}">
+        <p14:creationId xmlns:p14="http://schemas.microsoft.com/office/powerpoint/2010/main" val="2721361240"/>
+      </p:ext>
+    </p:extLst>
+  </p:cSld>
+  <p:clrMapOvr>
+    <a:masterClrMapping/>
+  </p:clrMapOvr>
+</p:sld>
+</file>
+
+<file path=ppt/slides/slide4.xml><?xml version="1.0" encoding="utf-8"?>
+<p:sld xmlns:a="http://schemas.openxmlformats.org/drawingml/2006/main" xmlns:r="http://schemas.openxmlformats.org/officeDocument/2006/relationships" xmlns:p="http://schemas.openxmlformats.org/presentationml/2006/main">
+  <p:cSld>
+    <p:spTree>
+      <p:nvGrpSpPr>
+        <p:cNvPr id="1" name=""/>
+        <p:cNvGrpSpPr/>
+        <p:nvPr/>
+      </p:nvGrpSpPr>
+      <p:grpSpPr>
+        <a:xfrm>
+          <a:off x="0" y="0"/>
+          <a:ext cx="0" cy="0"/>
+          <a:chOff x="0" y="0"/>
+          <a:chExt cx="0" cy="0"/>
+        </a:xfrm>
+      </p:grpSpPr>
+      <p:sp>
+        <p:nvSpPr>
+          <p:cNvPr id="2" name="Title 1">
+            <a:extLst>
+              <a:ext uri="{FF2B5EF4-FFF2-40B4-BE49-F238E27FC236}">
+                <a16:creationId xmlns:a16="http://schemas.microsoft.com/office/drawing/2014/main" id="{4055039E-CF35-1F7E-D433-FA945D060875}"/>
+              </a:ext>
+            </a:extLst>
+          </p:cNvPr>
+          <p:cNvSpPr>
+            <a:spLocks noGrp="1"/>
+          </p:cNvSpPr>
+          <p:nvPr>
+            <p:ph type="title"/>
+          </p:nvPr>
+        </p:nvSpPr>
+        <p:spPr/>
+        <p:txBody>
+          <a:bodyPr/>
+          <a:lstStyle/>
+          <a:p>
+            <a:r>
+              <a:rPr lang="en-GB" dirty="0"/>
+              <a:t>Understand your data</a:t>
+            </a:r>
+          </a:p>
+        </p:txBody>
+      </p:sp>
+      <p:sp>
+        <p:nvSpPr>
+          <p:cNvPr id="3" name="Text Placeholder 2">
+            <a:extLst>
+              <a:ext uri="{FF2B5EF4-FFF2-40B4-BE49-F238E27FC236}">
+                <a16:creationId xmlns:a16="http://schemas.microsoft.com/office/drawing/2014/main" id="{D5F37D52-4523-3611-B038-F565F46C40E6}"/>
+              </a:ext>
+            </a:extLst>
+          </p:cNvPr>
+          <p:cNvSpPr>
+            <a:spLocks noGrp="1"/>
+          </p:cNvSpPr>
+          <p:nvPr>
+            <p:ph type="body" idx="1"/>
+          </p:nvPr>
+        </p:nvSpPr>
+        <p:spPr/>
+        <p:txBody>
+          <a:bodyPr/>
+          <a:lstStyle/>
+          <a:p>
+            <a:r>
+              <a:rPr lang="en-GB" dirty="0"/>
+              <a:t>What is Data?</a:t>
+            </a:r>
+          </a:p>
+        </p:txBody>
+      </p:sp>
+      <p:sp>
+        <p:nvSpPr>
+          <p:cNvPr id="4" name="Content Placeholder 3">
+            <a:extLst>
+              <a:ext uri="{FF2B5EF4-FFF2-40B4-BE49-F238E27FC236}">
+                <a16:creationId xmlns:a16="http://schemas.microsoft.com/office/drawing/2014/main" id="{B4296FD9-922F-590A-90F5-25836CB5491F}"/>
+              </a:ext>
+            </a:extLst>
+          </p:cNvPr>
+          <p:cNvSpPr>
+            <a:spLocks noGrp="1"/>
+          </p:cNvSpPr>
+          <p:nvPr>
+            <p:ph sz="half" idx="2"/>
+          </p:nvPr>
+        </p:nvSpPr>
+        <p:spPr/>
+        <p:txBody>
+          <a:bodyPr>
+            <a:normAutofit lnSpcReduction="10000"/>
+          </a:bodyPr>
+          <a:lstStyle/>
+          <a:p>
+            <a:r>
+              <a:rPr lang="en-GB" dirty="0"/>
+              <a:t>Data is a collection of facts, such as numbers, words, measurements, observations or just descriptions of things.</a:t>
+            </a:r>
+          </a:p>
+          <a:p>
+            <a:r>
+              <a:rPr lang="en-GB" dirty="0"/>
+              <a:t>Discrete Data vs Continuous Data </a:t>
+            </a:r>
+            <a:endParaRPr lang="en-GB" b="1" dirty="0"/>
+          </a:p>
+          <a:p>
+            <a:pPr lvl="1"/>
+            <a:r>
+              <a:rPr lang="en-GB" dirty="0"/>
+              <a:t>Discrete Data can only take certain values.</a:t>
+            </a:r>
+          </a:p>
+          <a:p>
+            <a:pPr lvl="1"/>
+            <a:r>
+              <a:rPr lang="en-GB" dirty="0"/>
+              <a:t>Continuous Data can take any value (within a range)</a:t>
+            </a:r>
+          </a:p>
+          <a:p>
+            <a:pPr lvl="1"/>
+            <a:endParaRPr lang="en-GB" dirty="0"/>
+          </a:p>
+          <a:p>
+            <a:pPr lvl="1"/>
+            <a:endParaRPr lang="en-GB" dirty="0"/>
+          </a:p>
+        </p:txBody>
+      </p:sp>
+      <p:sp>
+        <p:nvSpPr>
+          <p:cNvPr id="5" name="Text Placeholder 4">
+            <a:extLst>
+              <a:ext uri="{FF2B5EF4-FFF2-40B4-BE49-F238E27FC236}">
+                <a16:creationId xmlns:a16="http://schemas.microsoft.com/office/drawing/2014/main" id="{6E60D4A8-196A-3206-ACAD-CEF7AFB6F35F}"/>
+              </a:ext>
+            </a:extLst>
+          </p:cNvPr>
+          <p:cNvSpPr>
+            <a:spLocks noGrp="1"/>
+          </p:cNvSpPr>
+          <p:nvPr>
+            <p:ph type="body" sz="quarter" idx="3"/>
+          </p:nvPr>
+        </p:nvSpPr>
+        <p:spPr>
+          <a:xfrm>
+            <a:off x="6172200" y="2986181"/>
+            <a:ext cx="5183717" cy="823912"/>
+          </a:xfrm>
+        </p:spPr>
+        <p:txBody>
+          <a:bodyPr/>
+          <a:lstStyle/>
+          <a:p>
+            <a:r>
+              <a:rPr lang="en-GB" b="1" dirty="0"/>
+              <a:t>Make your own Graphs</a:t>
+            </a:r>
+          </a:p>
+        </p:txBody>
+      </p:sp>
+      <p:sp>
+        <p:nvSpPr>
+          <p:cNvPr id="6" name="Content Placeholder 5">
+            <a:extLst>
+              <a:ext uri="{FF2B5EF4-FFF2-40B4-BE49-F238E27FC236}">
+                <a16:creationId xmlns:a16="http://schemas.microsoft.com/office/drawing/2014/main" id="{9597B736-DA72-234E-D93A-3F357E925386}"/>
+              </a:ext>
+            </a:extLst>
+          </p:cNvPr>
+          <p:cNvSpPr>
+            <a:spLocks noGrp="1"/>
+          </p:cNvSpPr>
+          <p:nvPr>
+            <p:ph sz="quarter" idx="4"/>
+          </p:nvPr>
+        </p:nvSpPr>
+        <p:spPr>
+          <a:xfrm>
+            <a:off x="6172200" y="3898870"/>
+            <a:ext cx="5183717" cy="3684588"/>
+          </a:xfrm>
+        </p:spPr>
+        <p:txBody>
+          <a:bodyPr>
+            <a:normAutofit lnSpcReduction="10000"/>
+          </a:bodyPr>
+          <a:lstStyle/>
+          <a:p>
+            <a:r>
+              <a:rPr lang="en-GB" dirty="0"/>
+              <a:t>Explore the wonderful world of graphs. </a:t>
+            </a:r>
+          </a:p>
+          <a:p>
+            <a:r>
+              <a:rPr lang="en-GB" dirty="0"/>
+              <a:t>Create your own, and see what different functions produce. </a:t>
+            </a:r>
+          </a:p>
+          <a:p>
+            <a:r>
+              <a:rPr lang="en-GB" dirty="0"/>
+              <a:t>Get to understand what is really happening.</a:t>
+            </a:r>
+          </a:p>
+        </p:txBody>
+      </p:sp>
+      <p:pic>
+        <p:nvPicPr>
+          <p:cNvPr id="7" name="Picture 4" descr="Data - Wikipedia">
+            <a:extLst>
+              <a:ext uri="{FF2B5EF4-FFF2-40B4-BE49-F238E27FC236}">
+                <a16:creationId xmlns:a16="http://schemas.microsoft.com/office/drawing/2014/main" id="{0155BFD9-C752-C3AA-5070-3D12DE0694A4}"/>
+              </a:ext>
+            </a:extLst>
+          </p:cNvPr>
+          <p:cNvPicPr>
+            <a:picLocks noChangeAspect="1" noChangeArrowheads="1"/>
+          </p:cNvPicPr>
+          <p:nvPr/>
+        </p:nvPicPr>
+        <p:blipFill>
+          <a:blip r:embed="rId2">
+            <a:extLst>
+              <a:ext uri="{28A0092B-C50C-407E-A947-70E740481C1C}">
+                <a14:useLocalDpi xmlns:a14="http://schemas.microsoft.com/office/drawing/2010/main" val="0"/>
+              </a:ext>
+            </a:extLst>
+          </a:blip>
+          <a:srcRect/>
+          <a:stretch>
+            <a:fillRect/>
+          </a:stretch>
+        </p:blipFill>
+        <p:spPr bwMode="auto">
+          <a:xfrm>
+            <a:off x="6390377" y="0"/>
+            <a:ext cx="3082097" cy="3207579"/>
+          </a:xfrm>
+          <a:prstGeom prst="rect">
+            <a:avLst/>
+          </a:prstGeom>
+          <a:noFill/>
+          <a:extLst>
+            <a:ext uri="{909E8E84-426E-40DD-AFC4-6F175D3DCCD1}">
+              <a14:hiddenFill xmlns:a14="http://schemas.microsoft.com/office/drawing/2010/main">
+                <a:solidFill>
+                  <a:srgbClr val="FFFFFF"/>
+                </a:solidFill>
+              </a14:hiddenFill>
+            </a:ext>
+          </a:extLst>
+        </p:spPr>
+      </p:pic>
+    </p:spTree>
+    <p:extLst>
+      <p:ext uri="{BB962C8B-B14F-4D97-AF65-F5344CB8AC3E}">
+        <p14:creationId xmlns:p14="http://schemas.microsoft.com/office/powerpoint/2010/main" val="3838295385"/>
+      </p:ext>
+    </p:extLst>
+  </p:cSld>
+  <p:clrMapOvr>
+    <a:masterClrMapping/>
+  </p:clrMapOvr>
+</p:sld>
+</file>
+
+<file path=ppt/slides/slide5.xml><?xml version="1.0" encoding="utf-8"?>
+<p:sld xmlns:a="http://schemas.openxmlformats.org/drawingml/2006/main" xmlns:r="http://schemas.openxmlformats.org/officeDocument/2006/relationships" xmlns:p="http://schemas.openxmlformats.org/presentationml/2006/main">
+  <p:cSld>
+    <p:spTree>
+      <p:nvGrpSpPr>
+        <p:cNvPr id="1" name=""/>
+        <p:cNvGrpSpPr/>
+        <p:nvPr/>
+      </p:nvGrpSpPr>
+      <p:grpSpPr>
+        <a:xfrm>
+          <a:off x="0" y="0"/>
+          <a:ext cx="0" cy="0"/>
+          <a:chOff x="0" y="0"/>
+          <a:chExt cx="0" cy="0"/>
+        </a:xfrm>
+      </p:grpSpPr>
+      <p:sp>
+        <p:nvSpPr>
+          <p:cNvPr id="3" name="Title 1">
+            <a:extLst>
+              <a:ext uri="{FF2B5EF4-FFF2-40B4-BE49-F238E27FC236}">
+                <a16:creationId xmlns:a16="http://schemas.microsoft.com/office/drawing/2014/main" id="{FDDBE40C-DB54-69F7-C899-2D3E056E18D8}"/>
+              </a:ext>
+            </a:extLst>
+          </p:cNvPr>
+          <p:cNvSpPr txBox="1">
+            <a:spLocks/>
+          </p:cNvSpPr>
+          <p:nvPr/>
+        </p:nvSpPr>
+        <p:spPr>
+          <a:xfrm>
+            <a:off x="398033" y="441435"/>
+            <a:ext cx="11110795" cy="732457"/>
+          </a:xfrm>
+          <a:prstGeom prst="rect">
+            <a:avLst/>
+          </a:prstGeom>
+        </p:spPr>
+        <p:txBody>
+          <a:bodyPr anchor="t" anchorCtr="0">
+            <a:noAutofit/>
+          </a:bodyPr>
+          <a:lstStyle>
+            <a:lvl1pPr algn="l" defTabSz="914400" rtl="0" eaLnBrk="1" latinLnBrk="0" hangingPunct="1">
+              <a:lnSpc>
+                <a:spcPct val="90000"/>
+              </a:lnSpc>
+              <a:spcBef>
+                <a:spcPct val="0"/>
+              </a:spcBef>
+              <a:buNone/>
+              <a:defRPr sz="4400" kern="1200">
+                <a:solidFill>
+                  <a:schemeClr val="tx1"/>
+                </a:solidFill>
+                <a:latin typeface="+mj-lt"/>
+                <a:ea typeface="+mj-ea"/>
+                <a:cs typeface="+mj-cs"/>
+              </a:defRPr>
+            </a:lvl1pPr>
+          </a:lstStyle>
+          <a:p>
+            <a:r>
+              <a:rPr lang="en-US" sz="4000" b="1">
+                <a:solidFill>
+                  <a:srgbClr val="1C304A"/>
+                </a:solidFill>
+                <a:latin typeface="Arial" panose="020B0604020202020204" pitchFamily="34" charset="0"/>
+                <a:cs typeface="Arial" panose="020B0604020202020204" pitchFamily="34" charset="0"/>
+              </a:rPr>
+              <a:t>Origins of Data </a:t>
+            </a:r>
+            <a:endParaRPr lang="en-US" sz="4000" b="1" dirty="0">
+              <a:solidFill>
+                <a:srgbClr val="1C304A"/>
+              </a:solidFill>
+              <a:latin typeface="Arial" panose="020B0604020202020204" pitchFamily="34" charset="0"/>
+              <a:cs typeface="Arial" panose="020B0604020202020204" pitchFamily="34" charset="0"/>
+            </a:endParaRPr>
+          </a:p>
+        </p:txBody>
+      </p:sp>
+      <p:sp>
+        <p:nvSpPr>
+          <p:cNvPr id="4" name="Subtitle 2">
+            <a:extLst>
+              <a:ext uri="{FF2B5EF4-FFF2-40B4-BE49-F238E27FC236}">
+                <a16:creationId xmlns:a16="http://schemas.microsoft.com/office/drawing/2014/main" id="{5CFF4EB7-A28F-A906-3C18-91151847C62D}"/>
+              </a:ext>
+            </a:extLst>
+          </p:cNvPr>
+          <p:cNvSpPr txBox="1">
+            <a:spLocks/>
+          </p:cNvSpPr>
+          <p:nvPr/>
+        </p:nvSpPr>
+        <p:spPr>
+          <a:xfrm>
+            <a:off x="533431" y="1637270"/>
+            <a:ext cx="6259255" cy="574589"/>
+          </a:xfrm>
+          <a:prstGeom prst="rect">
+            <a:avLst/>
+          </a:prstGeom>
+        </p:spPr>
+        <p:txBody>
+          <a:bodyPr>
+            <a:noAutofit/>
+          </a:bodyPr>
+          <a:lstStyle>
+            <a:lvl1pPr marL="228600" indent="-228600" algn="l" defTabSz="914400" rtl="0" eaLnBrk="1" latinLnBrk="0" hangingPunct="1">
+              <a:lnSpc>
+                <a:spcPct val="90000"/>
+              </a:lnSpc>
+              <a:spcBef>
+                <a:spcPts val="1000"/>
+              </a:spcBef>
+              <a:buFont typeface="Arial" panose="020B0604020202020204" pitchFamily="34" charset="0"/>
+              <a:buChar char="•"/>
+              <a:defRPr sz="2800" kern="1200">
+                <a:solidFill>
+                  <a:schemeClr val="tx1"/>
+                </a:solidFill>
+                <a:latin typeface="+mn-lt"/>
+                <a:ea typeface="+mn-ea"/>
+                <a:cs typeface="+mn-cs"/>
+              </a:defRPr>
+            </a:lvl1pPr>
+            <a:lvl2pPr marL="685800" indent="-228600" algn="l" defTabSz="914400" rtl="0" eaLnBrk="1" latinLnBrk="0" hangingPunct="1">
+              <a:lnSpc>
+                <a:spcPct val="90000"/>
+              </a:lnSpc>
+              <a:spcBef>
+                <a:spcPts val="500"/>
+              </a:spcBef>
+              <a:buFont typeface="Arial" panose="020B0604020202020204" pitchFamily="34" charset="0"/>
+              <a:buChar char="•"/>
+              <a:defRPr sz="2400" kern="1200">
+                <a:solidFill>
+                  <a:schemeClr val="tx1"/>
+                </a:solidFill>
+                <a:latin typeface="+mn-lt"/>
+                <a:ea typeface="+mn-ea"/>
+                <a:cs typeface="+mn-cs"/>
+              </a:defRPr>
+            </a:lvl2pPr>
+            <a:lvl3pPr marL="1143000" indent="-228600" algn="l" defTabSz="914400" rtl="0" eaLnBrk="1" latinLnBrk="0" hangingPunct="1">
+              <a:lnSpc>
+                <a:spcPct val="90000"/>
+              </a:lnSpc>
+              <a:spcBef>
+                <a:spcPts val="500"/>
+              </a:spcBef>
+              <a:buFont typeface="Arial" panose="020B0604020202020204" pitchFamily="34" charset="0"/>
+              <a:buChar char="•"/>
+              <a:defRPr sz="2000" kern="1200">
+                <a:solidFill>
+                  <a:schemeClr val="tx1"/>
+                </a:solidFill>
+                <a:latin typeface="+mn-lt"/>
+                <a:ea typeface="+mn-ea"/>
+                <a:cs typeface="+mn-cs"/>
+              </a:defRPr>
+            </a:lvl3pPr>
+            <a:lvl4pPr marL="1600200" indent="-228600" algn="l" defTabSz="914400" rtl="0" eaLnBrk="1" latinLnBrk="0" hangingPunct="1">
+              <a:lnSpc>
+                <a:spcPct val="90000"/>
+              </a:lnSpc>
+              <a:spcBef>
+                <a:spcPts val="500"/>
+              </a:spcBef>
+              <a:buFont typeface="Arial" panose="020B0604020202020204" pitchFamily="34" charset="0"/>
+              <a:buChar char="•"/>
+              <a:defRPr sz="1800" kern="1200">
+                <a:solidFill>
+                  <a:schemeClr val="tx1"/>
+                </a:solidFill>
+                <a:latin typeface="+mn-lt"/>
+                <a:ea typeface="+mn-ea"/>
+                <a:cs typeface="+mn-cs"/>
+              </a:defRPr>
+            </a:lvl4pPr>
+            <a:lvl5pPr marL="2057400" indent="-228600" algn="l" defTabSz="914400" rtl="0" eaLnBrk="1" latinLnBrk="0" hangingPunct="1">
+              <a:lnSpc>
+                <a:spcPct val="90000"/>
+              </a:lnSpc>
+              <a:spcBef>
+                <a:spcPts val="500"/>
+              </a:spcBef>
+              <a:buFont typeface="Arial" panose="020B0604020202020204" pitchFamily="34" charset="0"/>
+              <a:buChar char="•"/>
+              <a:defRPr sz="1800" kern="1200">
+                <a:solidFill>
+                  <a:schemeClr val="tx1"/>
+                </a:solidFill>
+                <a:latin typeface="+mn-lt"/>
+                <a:ea typeface="+mn-ea"/>
+                <a:cs typeface="+mn-cs"/>
+              </a:defRPr>
+            </a:lvl5pPr>
+            <a:lvl6pPr marL="2514600" indent="-228600" algn="l" defTabSz="914400" rtl="0" eaLnBrk="1" latinLnBrk="0" hangingPunct="1">
+              <a:lnSpc>
+                <a:spcPct val="90000"/>
+              </a:lnSpc>
+              <a:spcBef>
+                <a:spcPts val="500"/>
+              </a:spcBef>
+              <a:buFont typeface="Arial" panose="020B0604020202020204" pitchFamily="34" charset="0"/>
+              <a:buChar char="•"/>
+              <a:defRPr sz="1800" kern="1200">
+                <a:solidFill>
+                  <a:schemeClr val="tx1"/>
+                </a:solidFill>
+                <a:latin typeface="+mn-lt"/>
+                <a:ea typeface="+mn-ea"/>
+                <a:cs typeface="+mn-cs"/>
+              </a:defRPr>
+            </a:lvl6pPr>
+            <a:lvl7pPr marL="2971800" indent="-228600" algn="l" defTabSz="914400" rtl="0" eaLnBrk="1" latinLnBrk="0" hangingPunct="1">
+              <a:lnSpc>
+                <a:spcPct val="90000"/>
+              </a:lnSpc>
+              <a:spcBef>
+                <a:spcPts val="500"/>
+              </a:spcBef>
+              <a:buFont typeface="Arial" panose="020B0604020202020204" pitchFamily="34" charset="0"/>
+              <a:buChar char="•"/>
+              <a:defRPr sz="1800" kern="1200">
+                <a:solidFill>
+                  <a:schemeClr val="tx1"/>
+                </a:solidFill>
+                <a:latin typeface="+mn-lt"/>
+                <a:ea typeface="+mn-ea"/>
+                <a:cs typeface="+mn-cs"/>
+              </a:defRPr>
+            </a:lvl7pPr>
+            <a:lvl8pPr marL="3429000" indent="-228600" algn="l" defTabSz="914400" rtl="0" eaLnBrk="1" latinLnBrk="0" hangingPunct="1">
+              <a:lnSpc>
+                <a:spcPct val="90000"/>
+              </a:lnSpc>
+              <a:spcBef>
+                <a:spcPts val="500"/>
+              </a:spcBef>
+              <a:buFont typeface="Arial" panose="020B0604020202020204" pitchFamily="34" charset="0"/>
+              <a:buChar char="•"/>
+              <a:defRPr sz="1800" kern="1200">
+                <a:solidFill>
+                  <a:schemeClr val="tx1"/>
+                </a:solidFill>
+                <a:latin typeface="+mn-lt"/>
+                <a:ea typeface="+mn-ea"/>
+                <a:cs typeface="+mn-cs"/>
+              </a:defRPr>
+            </a:lvl8pPr>
+            <a:lvl9pPr marL="3886200" indent="-228600" algn="l" defTabSz="914400" rtl="0" eaLnBrk="1" latinLnBrk="0" hangingPunct="1">
+              <a:lnSpc>
+                <a:spcPct val="90000"/>
+              </a:lnSpc>
+              <a:spcBef>
+                <a:spcPts val="500"/>
+              </a:spcBef>
+              <a:buFont typeface="Arial" panose="020B0604020202020204" pitchFamily="34" charset="0"/>
+              <a:buChar char="•"/>
+              <a:defRPr sz="1800" kern="1200">
+                <a:solidFill>
+                  <a:schemeClr val="tx1"/>
+                </a:solidFill>
+                <a:latin typeface="+mn-lt"/>
+                <a:ea typeface="+mn-ea"/>
+                <a:cs typeface="+mn-cs"/>
+              </a:defRPr>
+            </a:lvl9pPr>
+          </a:lstStyle>
+          <a:p>
+            <a:pPr marL="342900" indent="-342900"/>
+            <a:r>
+              <a:rPr lang="en-GB" b="1">
+                <a:latin typeface="Arial" panose="020B0604020202020204" pitchFamily="34" charset="0"/>
+                <a:cs typeface="Arial" panose="020B0604020202020204" pitchFamily="34" charset="0"/>
+              </a:rPr>
+              <a:t>Data dates back beyond the digital era </a:t>
+            </a:r>
+          </a:p>
+          <a:p>
+            <a:pPr marL="342900" indent="-342900"/>
+            <a:r>
+              <a:rPr lang="en-GB" b="1">
+                <a:latin typeface="Arial" panose="020B0604020202020204" pitchFamily="34" charset="0"/>
+                <a:cs typeface="Arial" panose="020B0604020202020204" pitchFamily="34" charset="0"/>
+              </a:rPr>
+              <a:t>For example, ancient hieroglyphics from ancient Egypt represent data through pictures or symbols e.g., a bird represents the sound of the letter "a" </a:t>
+            </a:r>
+            <a:endParaRPr lang="en-GB" dirty="0">
+              <a:latin typeface="Arial" panose="020B0604020202020204" pitchFamily="34" charset="0"/>
+              <a:cs typeface="Arial" panose="020B0604020202020204" pitchFamily="34" charset="0"/>
+            </a:endParaRPr>
+          </a:p>
+        </p:txBody>
+      </p:sp>
+      <p:pic>
+        <p:nvPicPr>
+          <p:cNvPr id="8" name="Picture 2" descr="Ancient Egyptian Hieroglyphics Alphabet">
+            <a:extLst>
+              <a:ext uri="{FF2B5EF4-FFF2-40B4-BE49-F238E27FC236}">
+                <a16:creationId xmlns:a16="http://schemas.microsoft.com/office/drawing/2014/main" id="{82A98376-000A-8075-A58B-8B495024AE37}"/>
+              </a:ext>
+            </a:extLst>
+          </p:cNvPr>
+          <p:cNvPicPr>
+            <a:picLocks noChangeAspect="1" noChangeArrowheads="1"/>
+          </p:cNvPicPr>
+          <p:nvPr/>
+        </p:nvPicPr>
+        <p:blipFill>
+          <a:blip r:embed="rId2">
+            <a:extLst>
+              <a:ext uri="{28A0092B-C50C-407E-A947-70E740481C1C}">
+                <a14:useLocalDpi xmlns:a14="http://schemas.microsoft.com/office/drawing/2010/main" val="0"/>
+              </a:ext>
+            </a:extLst>
+          </a:blip>
+          <a:srcRect/>
+          <a:stretch>
+            <a:fillRect/>
+          </a:stretch>
+        </p:blipFill>
+        <p:spPr bwMode="auto">
+          <a:xfrm>
+            <a:off x="6938852" y="1612281"/>
+            <a:ext cx="4569976" cy="3348990"/>
+          </a:xfrm>
+          <a:prstGeom prst="rect">
+            <a:avLst/>
+          </a:prstGeom>
+          <a:noFill/>
+          <a:extLst>
+            <a:ext uri="{909E8E84-426E-40DD-AFC4-6F175D3DCCD1}">
+              <a14:hiddenFill xmlns:a14="http://schemas.microsoft.com/office/drawing/2010/main">
+                <a:solidFill>
+                  <a:srgbClr val="FFFFFF"/>
+                </a:solidFill>
+              </a14:hiddenFill>
+            </a:ext>
+          </a:extLst>
+        </p:spPr>
+      </p:pic>
+    </p:spTree>
+    <p:extLst>
+      <p:ext uri="{BB962C8B-B14F-4D97-AF65-F5344CB8AC3E}">
+        <p14:creationId xmlns:p14="http://schemas.microsoft.com/office/powerpoint/2010/main" val="2766465269"/>
+      </p:ext>
+    </p:extLst>
+  </p:cSld>
+  <p:clrMapOvr>
+    <a:masterClrMapping/>
+  </p:clrMapOvr>
+  <p:timing>
+    <p:tnLst>
+      <p:par>
+        <p:cTn id="1" dur="indefinite" restart="never" nodeType="tmRoot">
+          <p:childTnLst>
+            <p:seq concurrent="1" nextAc="seek">
+              <p:cTn id="2" dur="indefinite" nodeType="mainSeq">
+                <p:childTnLst>
+                  <p:par>
+                    <p:cTn id="3" fill="hold">
+                      <p:stCondLst>
+                        <p:cond delay="indefinite"/>
+                      </p:stCondLst>
+                      <p:childTnLst>
+                        <p:par>
+                          <p:cTn id="4" fill="hold">
+                            <p:stCondLst>
+                              <p:cond delay="0"/>
+                            </p:stCondLst>
+                            <p:childTnLst>
+                              <p:par>
+                                <p:cTn id="5" presetID="10" presetClass="entr" presetSubtype="0" fill="hold" nodeType="clickEffect">
+                                  <p:stCondLst>
+                                    <p:cond delay="0"/>
+                                  </p:stCondLst>
+                                  <p:childTnLst>
+                                    <p:set>
+                                      <p:cBhvr>
+                                        <p:cTn id="6" dur="1" fill="hold">
+                                          <p:stCondLst>
+                                            <p:cond delay="0"/>
+                                          </p:stCondLst>
+                                        </p:cTn>
+                                        <p:tgtEl>
+                                          <p:spTgt spid="4">
+                                            <p:txEl>
+                                              <p:pRg st="0" end="0"/>
+                                            </p:txEl>
+                                          </p:spTgt>
+                                        </p:tgtEl>
+                                        <p:attrNameLst>
+                                          <p:attrName>style.visibility</p:attrName>
+                                        </p:attrNameLst>
+                                      </p:cBhvr>
+                                      <p:to>
+                                        <p:strVal val="visible"/>
+                                      </p:to>
+                                    </p:set>
+                                    <p:animEffect transition="in" filter="fade">
+                                      <p:cBhvr>
+                                        <p:cTn id="7" dur="500"/>
+                                        <p:tgtEl>
+                                          <p:spTgt spid="4">
+                                            <p:txEl>
+                                              <p:pRg st="0" end="0"/>
+                                            </p:txEl>
+                                          </p:spTgt>
+                                        </p:tgtEl>
+                                      </p:cBhvr>
+                                    </p:animEffect>
+                                  </p:childTnLst>
+                                </p:cTn>
+                              </p:par>
+                            </p:childTnLst>
+                          </p:cTn>
+                        </p:par>
+                      </p:childTnLst>
+                    </p:cTn>
+                  </p:par>
+                  <p:par>
+                    <p:cTn id="8" fill="hold">
+                      <p:stCondLst>
+                        <p:cond delay="indefinite"/>
+                      </p:stCondLst>
+                      <p:childTnLst>
+                        <p:par>
+                          <p:cTn id="9" fill="hold">
+                            <p:stCondLst>
+                              <p:cond delay="0"/>
+                            </p:stCondLst>
+                            <p:childTnLst>
+                              <p:par>
+                                <p:cTn id="10" presetID="10" presetClass="entr" presetSubtype="0" fill="hold" nodeType="clickEffect">
+                                  <p:stCondLst>
+                                    <p:cond delay="0"/>
+                                  </p:stCondLst>
+                                  <p:childTnLst>
+                                    <p:set>
+                                      <p:cBhvr>
+                                        <p:cTn id="11" dur="1" fill="hold">
+                                          <p:stCondLst>
+                                            <p:cond delay="0"/>
+                                          </p:stCondLst>
+                                        </p:cTn>
+                                        <p:tgtEl>
+                                          <p:spTgt spid="4">
+                                            <p:txEl>
+                                              <p:pRg st="1" end="1"/>
+                                            </p:txEl>
+                                          </p:spTgt>
+                                        </p:tgtEl>
+                                        <p:attrNameLst>
+                                          <p:attrName>style.visibility</p:attrName>
+                                        </p:attrNameLst>
+                                      </p:cBhvr>
+                                      <p:to>
+                                        <p:strVal val="visible"/>
+                                      </p:to>
+                                    </p:set>
+                                    <p:animEffect transition="in" filter="fade">
+                                      <p:cBhvr>
+                                        <p:cTn id="12" dur="500"/>
+                                        <p:tgtEl>
+                                          <p:spTgt spid="4">
+                                            <p:txEl>
+                                              <p:pRg st="1" end="1"/>
+                                            </p:txEl>
+                                          </p:spTgt>
+                                        </p:tgtEl>
+                                      </p:cBhvr>
+                                    </p:animEffect>
+                                  </p:childTnLst>
+                                </p:cTn>
+                              </p:par>
+                            </p:childTnLst>
+                          </p:cTn>
+                        </p:par>
+                      </p:childTnLst>
+                    </p:cTn>
+                  </p:par>
+                  <p:par>
+                    <p:cTn id="13" fill="hold">
+                      <p:stCondLst>
+                        <p:cond delay="indefinite"/>
+                      </p:stCondLst>
+                      <p:childTnLst>
+                        <p:par>
+                          <p:cTn id="14" fill="hold">
+                            <p:stCondLst>
+                              <p:cond delay="0"/>
+                            </p:stCondLst>
+                            <p:childTnLst>
+                              <p:par>
+                                <p:cTn id="15" presetID="10" presetClass="entr" presetSubtype="0" fill="hold" nodeType="clickEffect">
+                                  <p:stCondLst>
+                                    <p:cond delay="0"/>
+                                  </p:stCondLst>
+                                  <p:childTnLst>
+                                    <p:set>
+                                      <p:cBhvr>
+                                        <p:cTn id="16" dur="1" fill="hold">
+                                          <p:stCondLst>
+                                            <p:cond delay="0"/>
+                                          </p:stCondLst>
+                                        </p:cTn>
+                                        <p:tgtEl>
+                                          <p:spTgt spid="8"/>
+                                        </p:tgtEl>
+                                        <p:attrNameLst>
+                                          <p:attrName>style.visibility</p:attrName>
+                                        </p:attrNameLst>
+                                      </p:cBhvr>
+                                      <p:to>
+                                        <p:strVal val="visible"/>
+                                      </p:to>
+                                    </p:set>
+                                    <p:animEffect transition="in" filter="fade">
+                                      <p:cBhvr>
+                                        <p:cTn id="17" dur="500"/>
+                                        <p:tgtEl>
+                                          <p:spTgt spid="8"/>
+                                        </p:tgtEl>
+                                      </p:cBhvr>
+                                    </p:animEffect>
+                                  </p:childTnLst>
+                                </p:cTn>
+                              </p:par>
+                            </p:childTnLst>
+                          </p:cTn>
+                        </p:par>
+                      </p:childTnLst>
+                    </p:cTn>
+                  </p:par>
+                </p:childTnLst>
+              </p:cTn>
+              <p:prevCondLst>
+                <p:cond evt="onPrev" delay="0">
+                  <p:tgtEl>
+                    <p:sldTgt/>
+                  </p:tgtEl>
+                </p:cond>
+              </p:prevCondLst>
+              <p:nextCondLst>
+                <p:cond evt="onNext" delay="0">
+                  <p:tgtEl>
+                    <p:sldTgt/>
+                  </p:tgtEl>
+                </p:cond>
+              </p:nextCondLst>
+            </p:seq>
+          </p:childTnLst>
+        </p:cTn>
+      </p:par>
+    </p:tnLst>
+  </p:timing>
+</p:sld>
+</file>
+
+<file path=ppt/slides/slide6.xml><?xml version="1.0" encoding="utf-8"?>
+<p:sld xmlns:a="http://schemas.openxmlformats.org/drawingml/2006/main" xmlns:r="http://schemas.openxmlformats.org/officeDocument/2006/relationships" xmlns:p="http://schemas.openxmlformats.org/presentationml/2006/main">
+  <p:cSld>
+    <p:spTree>
+      <p:nvGrpSpPr>
+        <p:cNvPr id="1" name=""/>
+        <p:cNvGrpSpPr/>
+        <p:nvPr/>
+      </p:nvGrpSpPr>
+      <p:grpSpPr>
+        <a:xfrm>
+          <a:off x="0" y="0"/>
+          <a:ext cx="0" cy="0"/>
+          <a:chOff x="0" y="0"/>
+          <a:chExt cx="0" cy="0"/>
+        </a:xfrm>
+      </p:grpSpPr>
+      <p:sp>
+        <p:nvSpPr>
+          <p:cNvPr id="3" name="Title 1">
+            <a:extLst>
+              <a:ext uri="{FF2B5EF4-FFF2-40B4-BE49-F238E27FC236}">
+                <a16:creationId xmlns:a16="http://schemas.microsoft.com/office/drawing/2014/main" id="{441215BD-5AB0-09EF-6605-77503CA76681}"/>
+              </a:ext>
+            </a:extLst>
+          </p:cNvPr>
+          <p:cNvSpPr txBox="1">
+            <a:spLocks/>
+          </p:cNvSpPr>
+          <p:nvPr/>
+        </p:nvSpPr>
+        <p:spPr>
+          <a:xfrm>
+            <a:off x="398033" y="441435"/>
+            <a:ext cx="11110795" cy="732457"/>
+          </a:xfrm>
+          <a:prstGeom prst="rect">
+            <a:avLst/>
+          </a:prstGeom>
+        </p:spPr>
+        <p:txBody>
+          <a:bodyPr anchor="t" anchorCtr="0">
+            <a:noAutofit/>
+          </a:bodyPr>
+          <a:lstStyle>
+            <a:lvl1pPr algn="l" defTabSz="914400" rtl="0" eaLnBrk="1" latinLnBrk="0" hangingPunct="1">
+              <a:lnSpc>
+                <a:spcPct val="90000"/>
+              </a:lnSpc>
+              <a:spcBef>
+                <a:spcPct val="0"/>
+              </a:spcBef>
+              <a:buNone/>
+              <a:defRPr sz="4400" kern="1200">
+                <a:solidFill>
+                  <a:schemeClr val="tx1"/>
+                </a:solidFill>
+                <a:latin typeface="+mj-lt"/>
+                <a:ea typeface="+mj-ea"/>
+                <a:cs typeface="+mj-cs"/>
+              </a:defRPr>
+            </a:lvl1pPr>
+          </a:lstStyle>
+          <a:p>
+            <a:r>
+              <a:rPr lang="en-US" sz="4000" b="1">
+                <a:solidFill>
+                  <a:srgbClr val="1C304A"/>
+                </a:solidFill>
+                <a:latin typeface="Arial" panose="020B0604020202020204" pitchFamily="34" charset="0"/>
+                <a:cs typeface="Arial" panose="020B0604020202020204" pitchFamily="34" charset="0"/>
+              </a:rPr>
+              <a:t>Origins of Data </a:t>
+            </a:r>
+            <a:endParaRPr lang="en-US" sz="4000" b="1" dirty="0">
+              <a:solidFill>
+                <a:srgbClr val="1C304A"/>
+              </a:solidFill>
+              <a:latin typeface="Arial" panose="020B0604020202020204" pitchFamily="34" charset="0"/>
+              <a:cs typeface="Arial" panose="020B0604020202020204" pitchFamily="34" charset="0"/>
+            </a:endParaRPr>
+          </a:p>
+        </p:txBody>
+      </p:sp>
+      <p:sp>
+        <p:nvSpPr>
+          <p:cNvPr id="4" name="Subtitle 2">
+            <a:extLst>
+              <a:ext uri="{FF2B5EF4-FFF2-40B4-BE49-F238E27FC236}">
+                <a16:creationId xmlns:a16="http://schemas.microsoft.com/office/drawing/2014/main" id="{37FA67CB-2F95-74AA-0D0D-C016D5CCE37A}"/>
+              </a:ext>
+            </a:extLst>
+          </p:cNvPr>
+          <p:cNvSpPr txBox="1">
+            <a:spLocks/>
+          </p:cNvSpPr>
+          <p:nvPr/>
+        </p:nvSpPr>
+        <p:spPr>
+          <a:xfrm>
+            <a:off x="533432" y="1637270"/>
+            <a:ext cx="3168288" cy="574589"/>
+          </a:xfrm>
+          <a:prstGeom prst="rect">
+            <a:avLst/>
+          </a:prstGeom>
+        </p:spPr>
+        <p:txBody>
+          <a:bodyPr>
+            <a:noAutofit/>
+          </a:bodyPr>
+          <a:lstStyle>
+            <a:lvl1pPr marL="228600" indent="-228600" algn="l" defTabSz="914400" rtl="0" eaLnBrk="1" latinLnBrk="0" hangingPunct="1">
+              <a:lnSpc>
+                <a:spcPct val="90000"/>
+              </a:lnSpc>
+              <a:spcBef>
+                <a:spcPts val="1000"/>
+              </a:spcBef>
+              <a:buFont typeface="Arial" panose="020B0604020202020204" pitchFamily="34" charset="0"/>
+              <a:buChar char="•"/>
+              <a:defRPr sz="2800" kern="1200">
+                <a:solidFill>
+                  <a:schemeClr val="tx1"/>
+                </a:solidFill>
+                <a:latin typeface="+mn-lt"/>
+                <a:ea typeface="+mn-ea"/>
+                <a:cs typeface="+mn-cs"/>
+              </a:defRPr>
+            </a:lvl1pPr>
+            <a:lvl2pPr marL="685800" indent="-228600" algn="l" defTabSz="914400" rtl="0" eaLnBrk="1" latinLnBrk="0" hangingPunct="1">
+              <a:lnSpc>
+                <a:spcPct val="90000"/>
+              </a:lnSpc>
+              <a:spcBef>
+                <a:spcPts val="500"/>
+              </a:spcBef>
+              <a:buFont typeface="Arial" panose="020B0604020202020204" pitchFamily="34" charset="0"/>
+              <a:buChar char="•"/>
+              <a:defRPr sz="2400" kern="1200">
+                <a:solidFill>
+                  <a:schemeClr val="tx1"/>
+                </a:solidFill>
+                <a:latin typeface="+mn-lt"/>
+                <a:ea typeface="+mn-ea"/>
+                <a:cs typeface="+mn-cs"/>
+              </a:defRPr>
+            </a:lvl2pPr>
+            <a:lvl3pPr marL="1143000" indent="-228600" algn="l" defTabSz="914400" rtl="0" eaLnBrk="1" latinLnBrk="0" hangingPunct="1">
+              <a:lnSpc>
+                <a:spcPct val="90000"/>
+              </a:lnSpc>
+              <a:spcBef>
+                <a:spcPts val="500"/>
+              </a:spcBef>
+              <a:buFont typeface="Arial" panose="020B0604020202020204" pitchFamily="34" charset="0"/>
+              <a:buChar char="•"/>
+              <a:defRPr sz="2000" kern="1200">
+                <a:solidFill>
+                  <a:schemeClr val="tx1"/>
+                </a:solidFill>
+                <a:latin typeface="+mn-lt"/>
+                <a:ea typeface="+mn-ea"/>
+                <a:cs typeface="+mn-cs"/>
+              </a:defRPr>
+            </a:lvl3pPr>
+            <a:lvl4pPr marL="1600200" indent="-228600" algn="l" defTabSz="914400" rtl="0" eaLnBrk="1" latinLnBrk="0" hangingPunct="1">
+              <a:lnSpc>
+                <a:spcPct val="90000"/>
+              </a:lnSpc>
+              <a:spcBef>
+                <a:spcPts val="500"/>
+              </a:spcBef>
+              <a:buFont typeface="Arial" panose="020B0604020202020204" pitchFamily="34" charset="0"/>
+              <a:buChar char="•"/>
+              <a:defRPr sz="1800" kern="1200">
+                <a:solidFill>
+                  <a:schemeClr val="tx1"/>
+                </a:solidFill>
+                <a:latin typeface="+mn-lt"/>
+                <a:ea typeface="+mn-ea"/>
+                <a:cs typeface="+mn-cs"/>
+              </a:defRPr>
+            </a:lvl4pPr>
+            <a:lvl5pPr marL="2057400" indent="-228600" algn="l" defTabSz="914400" rtl="0" eaLnBrk="1" latinLnBrk="0" hangingPunct="1">
+              <a:lnSpc>
+                <a:spcPct val="90000"/>
+              </a:lnSpc>
+              <a:spcBef>
+                <a:spcPts val="500"/>
+              </a:spcBef>
+              <a:buFont typeface="Arial" panose="020B0604020202020204" pitchFamily="34" charset="0"/>
+              <a:buChar char="•"/>
+              <a:defRPr sz="1800" kern="1200">
+                <a:solidFill>
+                  <a:schemeClr val="tx1"/>
+                </a:solidFill>
+                <a:latin typeface="+mn-lt"/>
+                <a:ea typeface="+mn-ea"/>
+                <a:cs typeface="+mn-cs"/>
+              </a:defRPr>
+            </a:lvl5pPr>
+            <a:lvl6pPr marL="2514600" indent="-228600" algn="l" defTabSz="914400" rtl="0" eaLnBrk="1" latinLnBrk="0" hangingPunct="1">
+              <a:lnSpc>
+                <a:spcPct val="90000"/>
+              </a:lnSpc>
+              <a:spcBef>
+                <a:spcPts val="500"/>
+              </a:spcBef>
+              <a:buFont typeface="Arial" panose="020B0604020202020204" pitchFamily="34" charset="0"/>
+              <a:buChar char="•"/>
+              <a:defRPr sz="1800" kern="1200">
+                <a:solidFill>
+                  <a:schemeClr val="tx1"/>
+                </a:solidFill>
+                <a:latin typeface="+mn-lt"/>
+                <a:ea typeface="+mn-ea"/>
+                <a:cs typeface="+mn-cs"/>
+              </a:defRPr>
+            </a:lvl6pPr>
+            <a:lvl7pPr marL="2971800" indent="-228600" algn="l" defTabSz="914400" rtl="0" eaLnBrk="1" latinLnBrk="0" hangingPunct="1">
+              <a:lnSpc>
+                <a:spcPct val="90000"/>
+              </a:lnSpc>
+              <a:spcBef>
+                <a:spcPts val="500"/>
+              </a:spcBef>
+              <a:buFont typeface="Arial" panose="020B0604020202020204" pitchFamily="34" charset="0"/>
+              <a:buChar char="•"/>
+              <a:defRPr sz="1800" kern="1200">
+                <a:solidFill>
+                  <a:schemeClr val="tx1"/>
+                </a:solidFill>
+                <a:latin typeface="+mn-lt"/>
+                <a:ea typeface="+mn-ea"/>
+                <a:cs typeface="+mn-cs"/>
+              </a:defRPr>
+            </a:lvl7pPr>
+            <a:lvl8pPr marL="3429000" indent="-228600" algn="l" defTabSz="914400" rtl="0" eaLnBrk="1" latinLnBrk="0" hangingPunct="1">
+              <a:lnSpc>
+                <a:spcPct val="90000"/>
+              </a:lnSpc>
+              <a:spcBef>
+                <a:spcPts val="500"/>
+              </a:spcBef>
+              <a:buFont typeface="Arial" panose="020B0604020202020204" pitchFamily="34" charset="0"/>
+              <a:buChar char="•"/>
+              <a:defRPr sz="1800" kern="1200">
+                <a:solidFill>
+                  <a:schemeClr val="tx1"/>
+                </a:solidFill>
+                <a:latin typeface="+mn-lt"/>
+                <a:ea typeface="+mn-ea"/>
+                <a:cs typeface="+mn-cs"/>
+              </a:defRPr>
+            </a:lvl8pPr>
+            <a:lvl9pPr marL="3886200" indent="-228600" algn="l" defTabSz="914400" rtl="0" eaLnBrk="1" latinLnBrk="0" hangingPunct="1">
+              <a:lnSpc>
+                <a:spcPct val="90000"/>
+              </a:lnSpc>
+              <a:spcBef>
+                <a:spcPts val="500"/>
+              </a:spcBef>
+              <a:buFont typeface="Arial" panose="020B0604020202020204" pitchFamily="34" charset="0"/>
+              <a:buChar char="•"/>
+              <a:defRPr sz="1800" kern="1200">
+                <a:solidFill>
+                  <a:schemeClr val="tx1"/>
+                </a:solidFill>
+                <a:latin typeface="+mn-lt"/>
+                <a:ea typeface="+mn-ea"/>
+                <a:cs typeface="+mn-cs"/>
+              </a:defRPr>
+            </a:lvl9pPr>
+          </a:lstStyle>
+          <a:p>
+            <a:pPr marL="342900" indent="-342900"/>
+            <a:r>
+              <a:rPr lang="en-GB" b="1" dirty="0">
+                <a:latin typeface="Arial" panose="020B0604020202020204" pitchFamily="34" charset="0"/>
+                <a:cs typeface="Arial" panose="020B0604020202020204" pitchFamily="34" charset="0"/>
+              </a:rPr>
+              <a:t>Egyptians also used mathematics to solve various problems</a:t>
+            </a:r>
+            <a:endParaRPr lang="en-GB" dirty="0">
+              <a:latin typeface="Arial" panose="020B0604020202020204" pitchFamily="34" charset="0"/>
+              <a:cs typeface="Arial" panose="020B0604020202020204" pitchFamily="34" charset="0"/>
+            </a:endParaRPr>
+          </a:p>
+        </p:txBody>
+      </p:sp>
+      <p:pic>
+        <p:nvPicPr>
+          <p:cNvPr id="8" name="Picture 4" descr="Ancient Egyptian hieroglyphic numerals">
+            <a:extLst>
+              <a:ext uri="{FF2B5EF4-FFF2-40B4-BE49-F238E27FC236}">
+                <a16:creationId xmlns:a16="http://schemas.microsoft.com/office/drawing/2014/main" id="{CA6677F2-F83E-1200-A4C5-39571FE624CA}"/>
+              </a:ext>
+            </a:extLst>
+          </p:cNvPr>
+          <p:cNvPicPr>
+            <a:picLocks noChangeAspect="1" noChangeArrowheads="1"/>
+          </p:cNvPicPr>
+          <p:nvPr/>
+        </p:nvPicPr>
+        <p:blipFill>
+          <a:blip r:embed="rId2">
+            <a:extLst>
+              <a:ext uri="{28A0092B-C50C-407E-A947-70E740481C1C}">
+                <a14:useLocalDpi xmlns:a14="http://schemas.microsoft.com/office/drawing/2010/main" val="0"/>
+              </a:ext>
+            </a:extLst>
+          </a:blip>
+          <a:srcRect/>
+          <a:stretch>
+            <a:fillRect/>
+          </a:stretch>
+        </p:blipFill>
+        <p:spPr bwMode="auto">
+          <a:xfrm>
+            <a:off x="4128438" y="1432155"/>
+            <a:ext cx="7665529" cy="3257850"/>
+          </a:xfrm>
+          <a:prstGeom prst="rect">
+            <a:avLst/>
+          </a:prstGeom>
+          <a:noFill/>
+          <a:extLst>
+            <a:ext uri="{909E8E84-426E-40DD-AFC4-6F175D3DCCD1}">
+              <a14:hiddenFill xmlns:a14="http://schemas.microsoft.com/office/drawing/2010/main">
+                <a:solidFill>
+                  <a:srgbClr val="FFFFFF"/>
+                </a:solidFill>
+              </a14:hiddenFill>
+            </a:ext>
+          </a:extLst>
+        </p:spPr>
+      </p:pic>
+    </p:spTree>
+    <p:extLst>
+      <p:ext uri="{BB962C8B-B14F-4D97-AF65-F5344CB8AC3E}">
+        <p14:creationId xmlns:p14="http://schemas.microsoft.com/office/powerpoint/2010/main" val="2427603813"/>
+      </p:ext>
+    </p:extLst>
+  </p:cSld>
+  <p:clrMapOvr>
+    <a:masterClrMapping/>
+  </p:clrMapOvr>
+  <p:timing>
+    <p:tnLst>
+      <p:par>
+        <p:cTn id="1" dur="indefinite" restart="never" nodeType="tmRoot">
+          <p:childTnLst>
+            <p:seq concurrent="1" nextAc="seek">
+              <p:cTn id="2" dur="indefinite" nodeType="mainSeq">
+                <p:childTnLst>
+                  <p:par>
+                    <p:cTn id="3" fill="hold">
+                      <p:stCondLst>
+                        <p:cond delay="indefinite"/>
+                      </p:stCondLst>
+                      <p:childTnLst>
+                        <p:par>
+                          <p:cTn id="4" fill="hold">
+                            <p:stCondLst>
+                              <p:cond delay="0"/>
+                            </p:stCondLst>
+                            <p:childTnLst>
+                              <p:par>
+                                <p:cTn id="5" presetID="10" presetClass="entr" presetSubtype="0" fill="hold" nodeType="clickEffect">
+                                  <p:stCondLst>
+                                    <p:cond delay="0"/>
+                                  </p:stCondLst>
+                                  <p:childTnLst>
+                                    <p:set>
+                                      <p:cBhvr>
+                                        <p:cTn id="6" dur="1" fill="hold">
+                                          <p:stCondLst>
+                                            <p:cond delay="0"/>
+                                          </p:stCondLst>
+                                        </p:cTn>
+                                        <p:tgtEl>
+                                          <p:spTgt spid="4">
+                                            <p:txEl>
+                                              <p:pRg st="0" end="0"/>
+                                            </p:txEl>
+                                          </p:spTgt>
+                                        </p:tgtEl>
+                                        <p:attrNameLst>
+                                          <p:attrName>style.visibility</p:attrName>
+                                        </p:attrNameLst>
+                                      </p:cBhvr>
+                                      <p:to>
+                                        <p:strVal val="visible"/>
+                                      </p:to>
+                                    </p:set>
+                                    <p:animEffect transition="in" filter="fade">
+                                      <p:cBhvr>
+                                        <p:cTn id="7" dur="500"/>
+                                        <p:tgtEl>
+                                          <p:spTgt spid="4">
+                                            <p:txEl>
+                                              <p:pRg st="0" end="0"/>
+                                            </p:txEl>
+                                          </p:spTgt>
+                                        </p:tgtEl>
+                                      </p:cBhvr>
+                                    </p:animEffect>
+                                  </p:childTnLst>
+                                </p:cTn>
+                              </p:par>
+                            </p:childTnLst>
+                          </p:cTn>
+                        </p:par>
+                      </p:childTnLst>
+                    </p:cTn>
+                  </p:par>
+                  <p:par>
+                    <p:cTn id="8" fill="hold">
+                      <p:stCondLst>
+                        <p:cond delay="indefinite"/>
+                      </p:stCondLst>
+                      <p:childTnLst>
+                        <p:par>
+                          <p:cTn id="9" fill="hold">
+                            <p:stCondLst>
+                              <p:cond delay="0"/>
+                            </p:stCondLst>
+                            <p:childTnLst>
+                              <p:par>
+                                <p:cTn id="10" presetID="10" presetClass="entr" presetSubtype="0" fill="hold" nodeType="clickEffect">
+                                  <p:stCondLst>
+                                    <p:cond delay="0"/>
+                                  </p:stCondLst>
+                                  <p:childTnLst>
+                                    <p:set>
+                                      <p:cBhvr>
+                                        <p:cTn id="11" dur="1" fill="hold">
+                                          <p:stCondLst>
+                                            <p:cond delay="0"/>
+                                          </p:stCondLst>
+                                        </p:cTn>
+                                        <p:tgtEl>
+                                          <p:spTgt spid="8"/>
+                                        </p:tgtEl>
+                                        <p:attrNameLst>
+                                          <p:attrName>style.visibility</p:attrName>
+                                        </p:attrNameLst>
+                                      </p:cBhvr>
+                                      <p:to>
+                                        <p:strVal val="visible"/>
+                                      </p:to>
+                                    </p:set>
+                                    <p:animEffect transition="in" filter="fade">
+                                      <p:cBhvr>
+                                        <p:cTn id="12" dur="500"/>
+                                        <p:tgtEl>
+                                          <p:spTgt spid="8"/>
+                                        </p:tgtEl>
+                                      </p:cBhvr>
+                                    </p:animEffect>
+                                  </p:childTnLst>
+                                </p:cTn>
+                              </p:par>
+                            </p:childTnLst>
+                          </p:cTn>
+                        </p:par>
+                      </p:childTnLst>
+                    </p:cTn>
+                  </p:par>
+                </p:childTnLst>
+              </p:cTn>
+              <p:prevCondLst>
+                <p:cond evt="onPrev" delay="0">
+                  <p:tgtEl>
+                    <p:sldTgt/>
+                  </p:tgtEl>
+                </p:cond>
+              </p:prevCondLst>
+              <p:nextCondLst>
+                <p:cond evt="onNext" delay="0">
+                  <p:tgtEl>
+                    <p:sldTgt/>
+                  </p:tgtEl>
+                </p:cond>
+              </p:nextCondLst>
+            </p:seq>
+          </p:childTnLst>
+        </p:cTn>
+      </p:par>
+    </p:tnLst>
+  </p:timing>
+</p:sld>
+</file>
+
+<file path=ppt/slides/slide7.xml><?xml version="1.0" encoding="utf-8"?>
+<p:sld xmlns:a="http://schemas.openxmlformats.org/drawingml/2006/main" xmlns:r="http://schemas.openxmlformats.org/officeDocument/2006/relationships" xmlns:p="http://schemas.openxmlformats.org/presentationml/2006/main">
+  <p:cSld>
+    <p:spTree>
+      <p:nvGrpSpPr>
+        <p:cNvPr id="1" name=""/>
+        <p:cNvGrpSpPr/>
+        <p:nvPr/>
+      </p:nvGrpSpPr>
+      <p:grpSpPr>
+        <a:xfrm>
+          <a:off x="0" y="0"/>
+          <a:ext cx="0" cy="0"/>
+          <a:chOff x="0" y="0"/>
+          <a:chExt cx="0" cy="0"/>
+        </a:xfrm>
+      </p:grpSpPr>
+      <p:sp>
+        <p:nvSpPr>
+          <p:cNvPr id="3" name="Title 1">
+            <a:extLst>
+              <a:ext uri="{FF2B5EF4-FFF2-40B4-BE49-F238E27FC236}">
+                <a16:creationId xmlns:a16="http://schemas.microsoft.com/office/drawing/2014/main" id="{0A25DC9D-03DE-88FD-DEFA-44D908887890}"/>
+              </a:ext>
+            </a:extLst>
+          </p:cNvPr>
+          <p:cNvSpPr txBox="1">
+            <a:spLocks/>
+          </p:cNvSpPr>
+          <p:nvPr/>
+        </p:nvSpPr>
+        <p:spPr>
+          <a:xfrm>
+            <a:off x="398033" y="441435"/>
+            <a:ext cx="11110795" cy="732457"/>
+          </a:xfrm>
+          <a:prstGeom prst="rect">
+            <a:avLst/>
+          </a:prstGeom>
+        </p:spPr>
+        <p:txBody>
+          <a:bodyPr anchor="t" anchorCtr="0">
+            <a:noAutofit/>
+          </a:bodyPr>
+          <a:lstStyle>
+            <a:lvl1pPr algn="l" defTabSz="914400" rtl="0" eaLnBrk="1" latinLnBrk="0" hangingPunct="1">
+              <a:lnSpc>
+                <a:spcPct val="90000"/>
+              </a:lnSpc>
+              <a:spcBef>
+                <a:spcPct val="0"/>
+              </a:spcBef>
+              <a:buNone/>
+              <a:defRPr sz="4400" kern="1200">
+                <a:solidFill>
+                  <a:schemeClr val="tx1"/>
+                </a:solidFill>
+                <a:latin typeface="+mj-lt"/>
+                <a:ea typeface="+mj-ea"/>
+                <a:cs typeface="+mj-cs"/>
+              </a:defRPr>
+            </a:lvl1pPr>
+          </a:lstStyle>
+          <a:p>
+            <a:r>
+              <a:rPr lang="en-US" sz="4000" b="1">
+                <a:solidFill>
+                  <a:srgbClr val="1C304A"/>
+                </a:solidFill>
+                <a:latin typeface="Arial" panose="020B0604020202020204" pitchFamily="34" charset="0"/>
+                <a:cs typeface="Arial" panose="020B0604020202020204" pitchFamily="34" charset="0"/>
+              </a:rPr>
+              <a:t>Origins of Data </a:t>
+            </a:r>
+            <a:endParaRPr lang="en-US" sz="4000" b="1" dirty="0">
+              <a:solidFill>
+                <a:srgbClr val="1C304A"/>
+              </a:solidFill>
+              <a:latin typeface="Arial" panose="020B0604020202020204" pitchFamily="34" charset="0"/>
+              <a:cs typeface="Arial" panose="020B0604020202020204" pitchFamily="34" charset="0"/>
+            </a:endParaRPr>
+          </a:p>
+        </p:txBody>
+      </p:sp>
+      <p:sp>
+        <p:nvSpPr>
+          <p:cNvPr id="4" name="Subtitle 2">
+            <a:extLst>
+              <a:ext uri="{FF2B5EF4-FFF2-40B4-BE49-F238E27FC236}">
+                <a16:creationId xmlns:a16="http://schemas.microsoft.com/office/drawing/2014/main" id="{AC00D240-0BDA-7C58-CEF4-EAADF7846B78}"/>
+              </a:ext>
+            </a:extLst>
+          </p:cNvPr>
+          <p:cNvSpPr txBox="1">
+            <a:spLocks/>
+          </p:cNvSpPr>
+          <p:nvPr/>
+        </p:nvSpPr>
+        <p:spPr>
+          <a:xfrm>
+            <a:off x="533432" y="1637270"/>
+            <a:ext cx="4792948" cy="574589"/>
+          </a:xfrm>
+          <a:prstGeom prst="rect">
+            <a:avLst/>
+          </a:prstGeom>
+        </p:spPr>
+        <p:txBody>
+          <a:bodyPr>
+            <a:noAutofit/>
+          </a:bodyPr>
+          <a:lstStyle>
+            <a:lvl1pPr marL="228600" indent="-228600" algn="l" defTabSz="914400" rtl="0" eaLnBrk="1" latinLnBrk="0" hangingPunct="1">
+              <a:lnSpc>
+                <a:spcPct val="90000"/>
+              </a:lnSpc>
+              <a:spcBef>
+                <a:spcPts val="1000"/>
+              </a:spcBef>
+              <a:buFont typeface="Arial" panose="020B0604020202020204" pitchFamily="34" charset="0"/>
+              <a:buChar char="•"/>
+              <a:defRPr sz="2800" kern="1200">
+                <a:solidFill>
+                  <a:schemeClr val="tx1"/>
+                </a:solidFill>
+                <a:latin typeface="+mn-lt"/>
+                <a:ea typeface="+mn-ea"/>
+                <a:cs typeface="+mn-cs"/>
+              </a:defRPr>
+            </a:lvl1pPr>
+            <a:lvl2pPr marL="685800" indent="-228600" algn="l" defTabSz="914400" rtl="0" eaLnBrk="1" latinLnBrk="0" hangingPunct="1">
+              <a:lnSpc>
+                <a:spcPct val="90000"/>
+              </a:lnSpc>
+              <a:spcBef>
+                <a:spcPts val="500"/>
+              </a:spcBef>
+              <a:buFont typeface="Arial" panose="020B0604020202020204" pitchFamily="34" charset="0"/>
+              <a:buChar char="•"/>
+              <a:defRPr sz="2400" kern="1200">
+                <a:solidFill>
+                  <a:schemeClr val="tx1"/>
+                </a:solidFill>
+                <a:latin typeface="+mn-lt"/>
+                <a:ea typeface="+mn-ea"/>
+                <a:cs typeface="+mn-cs"/>
+              </a:defRPr>
+            </a:lvl2pPr>
+            <a:lvl3pPr marL="1143000" indent="-228600" algn="l" defTabSz="914400" rtl="0" eaLnBrk="1" latinLnBrk="0" hangingPunct="1">
+              <a:lnSpc>
+                <a:spcPct val="90000"/>
+              </a:lnSpc>
+              <a:spcBef>
+                <a:spcPts val="500"/>
+              </a:spcBef>
+              <a:buFont typeface="Arial" panose="020B0604020202020204" pitchFamily="34" charset="0"/>
+              <a:buChar char="•"/>
+              <a:defRPr sz="2000" kern="1200">
+                <a:solidFill>
+                  <a:schemeClr val="tx1"/>
+                </a:solidFill>
+                <a:latin typeface="+mn-lt"/>
+                <a:ea typeface="+mn-ea"/>
+                <a:cs typeface="+mn-cs"/>
+              </a:defRPr>
+            </a:lvl3pPr>
+            <a:lvl4pPr marL="1600200" indent="-228600" algn="l" defTabSz="914400" rtl="0" eaLnBrk="1" latinLnBrk="0" hangingPunct="1">
+              <a:lnSpc>
+                <a:spcPct val="90000"/>
+              </a:lnSpc>
+              <a:spcBef>
+                <a:spcPts val="500"/>
+              </a:spcBef>
+              <a:buFont typeface="Arial" panose="020B0604020202020204" pitchFamily="34" charset="0"/>
+              <a:buChar char="•"/>
+              <a:defRPr sz="1800" kern="1200">
+                <a:solidFill>
+                  <a:schemeClr val="tx1"/>
+                </a:solidFill>
+                <a:latin typeface="+mn-lt"/>
+                <a:ea typeface="+mn-ea"/>
+                <a:cs typeface="+mn-cs"/>
+              </a:defRPr>
+            </a:lvl4pPr>
+            <a:lvl5pPr marL="2057400" indent="-228600" algn="l" defTabSz="914400" rtl="0" eaLnBrk="1" latinLnBrk="0" hangingPunct="1">
+              <a:lnSpc>
+                <a:spcPct val="90000"/>
+              </a:lnSpc>
+              <a:spcBef>
+                <a:spcPts val="500"/>
+              </a:spcBef>
+              <a:buFont typeface="Arial" panose="020B0604020202020204" pitchFamily="34" charset="0"/>
+              <a:buChar char="•"/>
+              <a:defRPr sz="1800" kern="1200">
+                <a:solidFill>
+                  <a:schemeClr val="tx1"/>
+                </a:solidFill>
+                <a:latin typeface="+mn-lt"/>
+                <a:ea typeface="+mn-ea"/>
+                <a:cs typeface="+mn-cs"/>
+              </a:defRPr>
+            </a:lvl5pPr>
+            <a:lvl6pPr marL="2514600" indent="-228600" algn="l" defTabSz="914400" rtl="0" eaLnBrk="1" latinLnBrk="0" hangingPunct="1">
+              <a:lnSpc>
+                <a:spcPct val="90000"/>
+              </a:lnSpc>
+              <a:spcBef>
+                <a:spcPts val="500"/>
+              </a:spcBef>
+              <a:buFont typeface="Arial" panose="020B0604020202020204" pitchFamily="34" charset="0"/>
+              <a:buChar char="•"/>
+              <a:defRPr sz="1800" kern="1200">
+                <a:solidFill>
+                  <a:schemeClr val="tx1"/>
+                </a:solidFill>
+                <a:latin typeface="+mn-lt"/>
+                <a:ea typeface="+mn-ea"/>
+                <a:cs typeface="+mn-cs"/>
+              </a:defRPr>
+            </a:lvl6pPr>
+            <a:lvl7pPr marL="2971800" indent="-228600" algn="l" defTabSz="914400" rtl="0" eaLnBrk="1" latinLnBrk="0" hangingPunct="1">
+              <a:lnSpc>
+                <a:spcPct val="90000"/>
+              </a:lnSpc>
+              <a:spcBef>
+                <a:spcPts val="500"/>
+              </a:spcBef>
+              <a:buFont typeface="Arial" panose="020B0604020202020204" pitchFamily="34" charset="0"/>
+              <a:buChar char="•"/>
+              <a:defRPr sz="1800" kern="1200">
+                <a:solidFill>
+                  <a:schemeClr val="tx1"/>
+                </a:solidFill>
+                <a:latin typeface="+mn-lt"/>
+                <a:ea typeface="+mn-ea"/>
+                <a:cs typeface="+mn-cs"/>
+              </a:defRPr>
+            </a:lvl7pPr>
+            <a:lvl8pPr marL="3429000" indent="-228600" algn="l" defTabSz="914400" rtl="0" eaLnBrk="1" latinLnBrk="0" hangingPunct="1">
+              <a:lnSpc>
+                <a:spcPct val="90000"/>
+              </a:lnSpc>
+              <a:spcBef>
+                <a:spcPts val="500"/>
+              </a:spcBef>
+              <a:buFont typeface="Arial" panose="020B0604020202020204" pitchFamily="34" charset="0"/>
+              <a:buChar char="•"/>
+              <a:defRPr sz="1800" kern="1200">
+                <a:solidFill>
+                  <a:schemeClr val="tx1"/>
+                </a:solidFill>
+                <a:latin typeface="+mn-lt"/>
+                <a:ea typeface="+mn-ea"/>
+                <a:cs typeface="+mn-cs"/>
+              </a:defRPr>
+            </a:lvl8pPr>
+            <a:lvl9pPr marL="3886200" indent="-228600" algn="l" defTabSz="914400" rtl="0" eaLnBrk="1" latinLnBrk="0" hangingPunct="1">
+              <a:lnSpc>
+                <a:spcPct val="90000"/>
+              </a:lnSpc>
+              <a:spcBef>
+                <a:spcPts val="500"/>
+              </a:spcBef>
+              <a:buFont typeface="Arial" panose="020B0604020202020204" pitchFamily="34" charset="0"/>
+              <a:buChar char="•"/>
+              <a:defRPr sz="1800" kern="1200">
+                <a:solidFill>
+                  <a:schemeClr val="tx1"/>
+                </a:solidFill>
+                <a:latin typeface="+mn-lt"/>
+                <a:ea typeface="+mn-ea"/>
+                <a:cs typeface="+mn-cs"/>
+              </a:defRPr>
+            </a:lvl9pPr>
+          </a:lstStyle>
+          <a:p>
+            <a:pPr marL="342900" indent="-342900"/>
+            <a:r>
+              <a:rPr lang="en-GB" b="1">
+                <a:latin typeface="Arial" panose="020B0604020202020204" pitchFamily="34" charset="0"/>
+                <a:cs typeface="Arial" panose="020B0604020202020204" pitchFamily="34" charset="0"/>
+              </a:rPr>
+              <a:t>Egyptian surveyors used body parts to measure land and buildings </a:t>
+            </a:r>
+          </a:p>
+          <a:p>
+            <a:pPr marL="342900" indent="-342900"/>
+            <a:r>
+              <a:rPr lang="en-GB" b="1">
+                <a:latin typeface="Arial" panose="020B0604020202020204" pitchFamily="34" charset="0"/>
+                <a:cs typeface="Arial" panose="020B0604020202020204" pitchFamily="34" charset="0"/>
+              </a:rPr>
+              <a:t>E.g. a palm was the width of the hand, a cubit the measurement from elbow to fingertips</a:t>
+            </a:r>
+            <a:endParaRPr lang="en-GB" b="1" dirty="0">
+              <a:latin typeface="Arial" panose="020B0604020202020204" pitchFamily="34" charset="0"/>
+              <a:cs typeface="Arial" panose="020B0604020202020204" pitchFamily="34" charset="0"/>
+            </a:endParaRPr>
+          </a:p>
+        </p:txBody>
+      </p:sp>
+      <p:pic>
+        <p:nvPicPr>
+          <p:cNvPr id="8" name="Picture 2">
+            <a:extLst>
+              <a:ext uri="{FF2B5EF4-FFF2-40B4-BE49-F238E27FC236}">
+                <a16:creationId xmlns:a16="http://schemas.microsoft.com/office/drawing/2014/main" id="{BEDBF66C-6F4B-BFBD-711D-91B7BB408B1D}"/>
+              </a:ext>
+            </a:extLst>
+          </p:cNvPr>
+          <p:cNvPicPr>
+            <a:picLocks noChangeAspect="1" noChangeArrowheads="1"/>
+          </p:cNvPicPr>
+          <p:nvPr/>
+        </p:nvPicPr>
+        <p:blipFill rotWithShape="1">
+          <a:blip r:embed="rId2">
+            <a:extLst>
+              <a:ext uri="{28A0092B-C50C-407E-A947-70E740481C1C}">
+                <a14:useLocalDpi xmlns:a14="http://schemas.microsoft.com/office/drawing/2010/main" val="0"/>
+              </a:ext>
+            </a:extLst>
+          </a:blip>
+          <a:srcRect l="3300" t="10481" r="53447" b="6070"/>
+          <a:stretch/>
+        </p:blipFill>
+        <p:spPr bwMode="auto">
+          <a:xfrm>
+            <a:off x="5953430" y="984061"/>
+            <a:ext cx="5374005" cy="4181884"/>
+          </a:xfrm>
+          <a:prstGeom prst="rect">
+            <a:avLst/>
+          </a:prstGeom>
+          <a:noFill/>
+          <a:extLst>
+            <a:ext uri="{909E8E84-426E-40DD-AFC4-6F175D3DCCD1}">
+              <a14:hiddenFill xmlns:a14="http://schemas.microsoft.com/office/drawing/2010/main">
+                <a:solidFill>
+                  <a:srgbClr val="FFFFFF"/>
+                </a:solidFill>
+              </a14:hiddenFill>
+            </a:ext>
+          </a:extLst>
+        </p:spPr>
+      </p:pic>
+    </p:spTree>
+    <p:extLst>
+      <p:ext uri="{BB962C8B-B14F-4D97-AF65-F5344CB8AC3E}">
+        <p14:creationId xmlns:p14="http://schemas.microsoft.com/office/powerpoint/2010/main" val="3481844494"/>
+      </p:ext>
+    </p:extLst>
+  </p:cSld>
+  <p:clrMapOvr>
+    <a:masterClrMapping/>
+  </p:clrMapOvr>
+  <p:timing>
+    <p:tnLst>
+      <p:par>
+        <p:cTn id="1" dur="indefinite" restart="never" nodeType="tmRoot">
+          <p:childTnLst>
+            <p:seq concurrent="1" nextAc="seek">
+              <p:cTn id="2" dur="indefinite" nodeType="mainSeq">
+                <p:childTnLst>
+                  <p:par>
+                    <p:cTn id="3" fill="hold">
+                      <p:stCondLst>
+                        <p:cond delay="indefinite"/>
+                      </p:stCondLst>
+                      <p:childTnLst>
+                        <p:par>
+                          <p:cTn id="4" fill="hold">
+                            <p:stCondLst>
+                              <p:cond delay="0"/>
+                            </p:stCondLst>
+                            <p:childTnLst>
+                              <p:par>
+                                <p:cTn id="5" presetID="10" presetClass="entr" presetSubtype="0" fill="hold" nodeType="clickEffect">
+                                  <p:stCondLst>
+                                    <p:cond delay="0"/>
+                                  </p:stCondLst>
+                                  <p:childTnLst>
+                                    <p:set>
+                                      <p:cBhvr>
+                                        <p:cTn id="6" dur="1" fill="hold">
+                                          <p:stCondLst>
+                                            <p:cond delay="0"/>
+                                          </p:stCondLst>
+                                        </p:cTn>
+                                        <p:tgtEl>
+                                          <p:spTgt spid="4">
+                                            <p:txEl>
+                                              <p:pRg st="0" end="0"/>
+                                            </p:txEl>
+                                          </p:spTgt>
+                                        </p:tgtEl>
+                                        <p:attrNameLst>
+                                          <p:attrName>style.visibility</p:attrName>
+                                        </p:attrNameLst>
+                                      </p:cBhvr>
+                                      <p:to>
+                                        <p:strVal val="visible"/>
+                                      </p:to>
+                                    </p:set>
+                                    <p:animEffect transition="in" filter="fade">
+                                      <p:cBhvr>
+                                        <p:cTn id="7" dur="500"/>
+                                        <p:tgtEl>
+                                          <p:spTgt spid="4">
+                                            <p:txEl>
+                                              <p:pRg st="0" end="0"/>
+                                            </p:txEl>
+                                          </p:spTgt>
+                                        </p:tgtEl>
+                                      </p:cBhvr>
+                                    </p:animEffect>
+                                  </p:childTnLst>
+                                </p:cTn>
+                              </p:par>
+                            </p:childTnLst>
+                          </p:cTn>
+                        </p:par>
+                      </p:childTnLst>
+                    </p:cTn>
+                  </p:par>
+                  <p:par>
+                    <p:cTn id="8" fill="hold">
+                      <p:stCondLst>
+                        <p:cond delay="indefinite"/>
+                      </p:stCondLst>
+                      <p:childTnLst>
+                        <p:par>
+                          <p:cTn id="9" fill="hold">
+                            <p:stCondLst>
+                              <p:cond delay="0"/>
+                            </p:stCondLst>
+                            <p:childTnLst>
+                              <p:par>
+                                <p:cTn id="10" presetID="10" presetClass="entr" presetSubtype="0" fill="hold" nodeType="clickEffect">
+                                  <p:stCondLst>
+                                    <p:cond delay="0"/>
+                                  </p:stCondLst>
+                                  <p:childTnLst>
+                                    <p:set>
+                                      <p:cBhvr>
+                                        <p:cTn id="11" dur="1" fill="hold">
+                                          <p:stCondLst>
+                                            <p:cond delay="0"/>
+                                          </p:stCondLst>
+                                        </p:cTn>
+                                        <p:tgtEl>
+                                          <p:spTgt spid="4">
+                                            <p:txEl>
+                                              <p:pRg st="1" end="1"/>
+                                            </p:txEl>
+                                          </p:spTgt>
+                                        </p:tgtEl>
+                                        <p:attrNameLst>
+                                          <p:attrName>style.visibility</p:attrName>
+                                        </p:attrNameLst>
+                                      </p:cBhvr>
+                                      <p:to>
+                                        <p:strVal val="visible"/>
+                                      </p:to>
+                                    </p:set>
+                                    <p:animEffect transition="in" filter="fade">
+                                      <p:cBhvr>
+                                        <p:cTn id="12" dur="500"/>
+                                        <p:tgtEl>
+                                          <p:spTgt spid="4">
+                                            <p:txEl>
+                                              <p:pRg st="1" end="1"/>
+                                            </p:txEl>
+                                          </p:spTgt>
+                                        </p:tgtEl>
+                                      </p:cBhvr>
+                                    </p:animEffect>
+                                  </p:childTnLst>
+                                </p:cTn>
+                              </p:par>
+                            </p:childTnLst>
+                          </p:cTn>
+                        </p:par>
+                      </p:childTnLst>
+                    </p:cTn>
+                  </p:par>
+                  <p:par>
+                    <p:cTn id="13" fill="hold">
+                      <p:stCondLst>
+                        <p:cond delay="indefinite"/>
+                      </p:stCondLst>
+                      <p:childTnLst>
+                        <p:par>
+                          <p:cTn id="14" fill="hold">
+                            <p:stCondLst>
+                              <p:cond delay="0"/>
+                            </p:stCondLst>
+                            <p:childTnLst>
+                              <p:par>
+                                <p:cTn id="15" presetID="10" presetClass="entr" presetSubtype="0" fill="hold" nodeType="clickEffect">
+                                  <p:stCondLst>
+                                    <p:cond delay="0"/>
+                                  </p:stCondLst>
+                                  <p:childTnLst>
+                                    <p:set>
+                                      <p:cBhvr>
+                                        <p:cTn id="16" dur="1" fill="hold">
+                                          <p:stCondLst>
+                                            <p:cond delay="0"/>
+                                          </p:stCondLst>
+                                        </p:cTn>
+                                        <p:tgtEl>
+                                          <p:spTgt spid="8"/>
+                                        </p:tgtEl>
+                                        <p:attrNameLst>
+                                          <p:attrName>style.visibility</p:attrName>
+                                        </p:attrNameLst>
+                                      </p:cBhvr>
+                                      <p:to>
+                                        <p:strVal val="visible"/>
+                                      </p:to>
+                                    </p:set>
+                                    <p:animEffect transition="in" filter="fade">
+                                      <p:cBhvr>
+                                        <p:cTn id="17" dur="500"/>
+                                        <p:tgtEl>
+                                          <p:spTgt spid="8"/>
+                                        </p:tgtEl>
+                                      </p:cBhvr>
+                                    </p:animEffect>
+                                  </p:childTnLst>
+                                </p:cTn>
+                              </p:par>
+                            </p:childTnLst>
+                          </p:cTn>
+                        </p:par>
+                      </p:childTnLst>
+                    </p:cTn>
+                  </p:par>
+                </p:childTnLst>
+              </p:cTn>
+              <p:prevCondLst>
+                <p:cond evt="onPrev" delay="0">
+                  <p:tgtEl>
+                    <p:sldTgt/>
+                  </p:tgtEl>
+                </p:cond>
+              </p:prevCondLst>
+              <p:nextCondLst>
+                <p:cond evt="onNext" delay="0">
+                  <p:tgtEl>
+                    <p:sldTgt/>
+                  </p:tgtEl>
+                </p:cond>
+              </p:nextCondLst>
+            </p:seq>
+          </p:childTnLst>
+        </p:cTn>
+      </p:par>
+    </p:tnLst>
+  </p:timing>
+</p:sld>
+</file>
+
+<file path=ppt/slides/slide8.xml><?xml version="1.0" encoding="utf-8"?>
+<p:sld xmlns:a="http://schemas.openxmlformats.org/drawingml/2006/main" xmlns:r="http://schemas.openxmlformats.org/officeDocument/2006/relationships" xmlns:p="http://schemas.openxmlformats.org/presentationml/2006/main">
+  <p:cSld>
+    <p:spTree>
+      <p:nvGrpSpPr>
+        <p:cNvPr id="1" name=""/>
+        <p:cNvGrpSpPr/>
+        <p:nvPr/>
+      </p:nvGrpSpPr>
+      <p:grpSpPr>
+        <a:xfrm>
+          <a:off x="0" y="0"/>
+          <a:ext cx="0" cy="0"/>
+          <a:chOff x="0" y="0"/>
+          <a:chExt cx="0" cy="0"/>
+        </a:xfrm>
+      </p:grpSpPr>
+      <p:pic>
+        <p:nvPicPr>
+          <p:cNvPr id="2" name="Picture 1">
+            <a:extLst>
+              <a:ext uri="{FF2B5EF4-FFF2-40B4-BE49-F238E27FC236}">
+                <a16:creationId xmlns:a16="http://schemas.microsoft.com/office/drawing/2014/main" id="{AE755A7F-DC2D-EFE7-DBFF-A5B9A619275A}"/>
+              </a:ext>
+            </a:extLst>
+          </p:cNvPr>
+          <p:cNvPicPr>
+            <a:picLocks noChangeAspect="1"/>
+          </p:cNvPicPr>
+          <p:nvPr/>
+        </p:nvPicPr>
+        <p:blipFill>
+          <a:blip r:embed="rId2"/>
+          <a:stretch>
+            <a:fillRect/>
+          </a:stretch>
+        </p:blipFill>
+        <p:spPr>
+          <a:xfrm>
+            <a:off x="0" y="0"/>
+            <a:ext cx="12230416" cy="6858000"/>
+          </a:xfrm>
+          <a:prstGeom prst="rect">
+            <a:avLst/>
+          </a:prstGeom>
+        </p:spPr>
+      </p:pic>
+      <p:sp>
+        <p:nvSpPr>
+          <p:cNvPr id="3" name="Title 1">
+            <a:extLst>
+              <a:ext uri="{FF2B5EF4-FFF2-40B4-BE49-F238E27FC236}">
+                <a16:creationId xmlns:a16="http://schemas.microsoft.com/office/drawing/2014/main" id="{C4E674A7-EDCC-84D3-E63F-CE16EC398D86}"/>
+              </a:ext>
+            </a:extLst>
+          </p:cNvPr>
+          <p:cNvSpPr txBox="1">
+            <a:spLocks/>
+          </p:cNvSpPr>
+          <p:nvPr/>
+        </p:nvSpPr>
+        <p:spPr>
+          <a:xfrm>
+            <a:off x="2944324" y="72163"/>
+            <a:ext cx="10515600" cy="1325563"/>
+          </a:xfrm>
+          <a:prstGeom prst="rect">
+            <a:avLst/>
+          </a:prstGeom>
+        </p:spPr>
+        <p:txBody>
+          <a:bodyPr/>
+          <a:lstStyle>
+            <a:lvl1pPr algn="l" defTabSz="914400" rtl="0" eaLnBrk="1" latinLnBrk="0" hangingPunct="1">
+              <a:lnSpc>
+                <a:spcPct val="90000"/>
+              </a:lnSpc>
+              <a:spcBef>
+                <a:spcPct val="0"/>
+              </a:spcBef>
+              <a:buNone/>
+              <a:defRPr sz="4400" kern="1200">
+                <a:solidFill>
+                  <a:schemeClr val="tx1"/>
+                </a:solidFill>
+                <a:latin typeface="+mj-lt"/>
+                <a:ea typeface="+mj-ea"/>
+                <a:cs typeface="+mj-cs"/>
+              </a:defRPr>
+            </a:lvl1pPr>
+          </a:lstStyle>
+          <a:p>
+            <a:r>
+              <a:rPr lang="en-GB" dirty="0"/>
+              <a:t>Business Data Example</a:t>
+            </a:r>
+          </a:p>
+        </p:txBody>
+      </p:sp>
+    </p:spTree>
+    <p:extLst>
+      <p:ext uri="{BB962C8B-B14F-4D97-AF65-F5344CB8AC3E}">
+        <p14:creationId xmlns:p14="http://schemas.microsoft.com/office/powerpoint/2010/main" val="2569997747"/>
+      </p:ext>
+    </p:extLst>
+  </p:cSld>
+  <p:clrMapOvr>
+    <a:masterClrMapping/>
+  </p:clrMapOvr>
+</p:sld>
+</file>
+
+<file path=ppt/slides/slide9.xml><?xml version="1.0" encoding="utf-8"?>
+<p:sld xmlns:a="http://schemas.openxmlformats.org/drawingml/2006/main" xmlns:r="http://schemas.openxmlformats.org/officeDocument/2006/relationships" xmlns:p="http://schemas.openxmlformats.org/presentationml/2006/main">
+  <p:cSld>
+    <p:spTree>
+      <p:nvGrpSpPr>
+        <p:cNvPr id="1" name=""/>
+        <p:cNvGrpSpPr/>
+        <p:nvPr/>
+      </p:nvGrpSpPr>
+      <p:grpSpPr>
+        <a:xfrm>
+          <a:off x="0" y="0"/>
+          <a:ext cx="0" cy="0"/>
+          <a:chOff x="0" y="0"/>
+          <a:chExt cx="0" cy="0"/>
+        </a:xfrm>
+      </p:grpSpPr>
+      <p:sp>
+        <p:nvSpPr>
+          <p:cNvPr id="2" name="Title 1">
+            <a:extLst>
+              <a:ext uri="{FF2B5EF4-FFF2-40B4-BE49-F238E27FC236}">
+                <a16:creationId xmlns:a16="http://schemas.microsoft.com/office/drawing/2014/main" id="{DA0BAC5F-9566-3CA3-3103-6672CFCE7CC1}"/>
+              </a:ext>
+            </a:extLst>
+          </p:cNvPr>
+          <p:cNvSpPr>
+            <a:spLocks noGrp="1"/>
+          </p:cNvSpPr>
+          <p:nvPr>
+            <p:ph type="title"/>
+          </p:nvPr>
+        </p:nvSpPr>
+        <p:spPr/>
+        <p:txBody>
+          <a:bodyPr>
+            <a:noAutofit/>
+          </a:bodyPr>
+          <a:lstStyle/>
+          <a:p>
+            <a:r>
+              <a:rPr lang="en-GB" sz="3600" b="1" dirty="0"/>
+              <a:t>Line Graph</a:t>
+            </a:r>
+            <a:r>
+              <a:rPr lang="en-GB" sz="3600" dirty="0"/>
+              <a:t>: a graph that shows information connected in some way (usually as it changes over time).</a:t>
+            </a:r>
+          </a:p>
+        </p:txBody>
+      </p:sp>
+      <p:sp>
+        <p:nvSpPr>
+          <p:cNvPr id="3" name="Text Placeholder 2">
+            <a:extLst>
+              <a:ext uri="{FF2B5EF4-FFF2-40B4-BE49-F238E27FC236}">
+                <a16:creationId xmlns:a16="http://schemas.microsoft.com/office/drawing/2014/main" id="{FE36046D-F792-F430-7735-712EEDA48AE1}"/>
+              </a:ext>
+            </a:extLst>
+          </p:cNvPr>
+          <p:cNvSpPr>
+            <a:spLocks noGrp="1"/>
+          </p:cNvSpPr>
+          <p:nvPr>
+            <p:ph type="body" idx="1"/>
+          </p:nvPr>
+        </p:nvSpPr>
+        <p:spPr/>
+        <p:txBody>
+          <a:bodyPr>
+            <a:normAutofit fontScale="92500"/>
+          </a:bodyPr>
+          <a:lstStyle/>
+          <a:p>
+            <a:r>
+              <a:rPr lang="en-GB" dirty="0"/>
+              <a:t>You record the temperature outside your house and get these results:</a:t>
+            </a:r>
+          </a:p>
+        </p:txBody>
+      </p:sp>
+      <p:sp>
+        <p:nvSpPr>
+          <p:cNvPr id="5" name="Text Placeholder 4">
+            <a:extLst>
+              <a:ext uri="{FF2B5EF4-FFF2-40B4-BE49-F238E27FC236}">
+                <a16:creationId xmlns:a16="http://schemas.microsoft.com/office/drawing/2014/main" id="{015B7FFC-305D-7DB2-D595-49B11EEF8EA6}"/>
+              </a:ext>
+            </a:extLst>
+          </p:cNvPr>
+          <p:cNvSpPr>
+            <a:spLocks noGrp="1"/>
+          </p:cNvSpPr>
+          <p:nvPr>
+            <p:ph type="body" sz="quarter" idx="3"/>
+          </p:nvPr>
+        </p:nvSpPr>
+        <p:spPr/>
+        <p:txBody>
+          <a:bodyPr>
+            <a:normAutofit fontScale="92500"/>
+          </a:bodyPr>
+          <a:lstStyle/>
+          <a:p>
+            <a:r>
+              <a:rPr lang="en-GB" dirty="0"/>
+              <a:t>You are interested to see how it rises and falls, so decide to make a line graph: </a:t>
+            </a:r>
+          </a:p>
+        </p:txBody>
+      </p:sp>
+      <p:graphicFrame>
+        <p:nvGraphicFramePr>
+          <p:cNvPr id="7" name="Content Placeholder 6">
+            <a:extLst>
+              <a:ext uri="{FF2B5EF4-FFF2-40B4-BE49-F238E27FC236}">
+                <a16:creationId xmlns:a16="http://schemas.microsoft.com/office/drawing/2014/main" id="{DA1A2E23-565A-9884-7D6C-8EE662ED5378}"/>
+              </a:ext>
+            </a:extLst>
+          </p:cNvPr>
+          <p:cNvGraphicFramePr>
+            <a:graphicFrameLocks noGrp="1"/>
+          </p:cNvGraphicFramePr>
+          <p:nvPr>
+            <p:ph sz="half" idx="2"/>
+            <p:extLst>
+              <p:ext uri="{D42A27DB-BD31-4B8C-83A1-F6EECF244321}">
+                <p14:modId xmlns:p14="http://schemas.microsoft.com/office/powerpoint/2010/main" val="753698480"/>
+              </p:ext>
+            </p:extLst>
+          </p:nvPr>
+        </p:nvGraphicFramePr>
+        <p:xfrm>
+          <a:off x="1592725" y="3429000"/>
+          <a:ext cx="2995128" cy="1371600"/>
+        </p:xfrm>
+        <a:graphic>
+          <a:graphicData uri="http://schemas.openxmlformats.org/drawingml/2006/table">
+            <a:tbl>
+              <a:tblPr>
+                <a:tableStyleId>{284E427A-3D55-4303-BF80-6455036E1DE7}</a:tableStyleId>
+              </a:tblPr>
+              <a:tblGrid>
+                <a:gridCol w="748782">
+                  <a:extLst>
+                    <a:ext uri="{9D8B030D-6E8A-4147-A177-3AD203B41FA5}">
+                      <a16:colId xmlns:a16="http://schemas.microsoft.com/office/drawing/2014/main" val="4107069481"/>
+                    </a:ext>
+                  </a:extLst>
+                </a:gridCol>
+                <a:gridCol w="748782">
+                  <a:extLst>
+                    <a:ext uri="{9D8B030D-6E8A-4147-A177-3AD203B41FA5}">
+                      <a16:colId xmlns:a16="http://schemas.microsoft.com/office/drawing/2014/main" val="1391016122"/>
+                    </a:ext>
+                  </a:extLst>
+                </a:gridCol>
+                <a:gridCol w="748782">
+                  <a:extLst>
+                    <a:ext uri="{9D8B030D-6E8A-4147-A177-3AD203B41FA5}">
+                      <a16:colId xmlns:a16="http://schemas.microsoft.com/office/drawing/2014/main" val="1523445018"/>
+                    </a:ext>
+                  </a:extLst>
+                </a:gridCol>
+                <a:gridCol w="748782">
+                  <a:extLst>
+                    <a:ext uri="{9D8B030D-6E8A-4147-A177-3AD203B41FA5}">
+                      <a16:colId xmlns:a16="http://schemas.microsoft.com/office/drawing/2014/main" val="3892203712"/>
+                    </a:ext>
+                  </a:extLst>
+                </a:gridCol>
+              </a:tblGrid>
+              <a:tr h="0">
+                <a:tc gridSpan="4">
+                  <a:txBody>
+                    <a:bodyPr/>
+                    <a:lstStyle/>
+                    <a:p>
+                      <a:pPr algn="ctr"/>
+                      <a:r>
+                        <a:rPr lang="en-GB" b="1" dirty="0"/>
+                        <a:t>Table: Temperature 22 Feb</a:t>
+                      </a:r>
+                      <a:br>
+                        <a:rPr lang="en-GB" b="1" dirty="0"/>
+                      </a:br>
+                      <a:endParaRPr lang="en-GB" dirty="0"/>
+                    </a:p>
+                  </a:txBody>
+                  <a:tcPr anchor="ctr"/>
+                </a:tc>
+                <a:tc hMerge="1">
+                  <a:txBody>
+                    <a:bodyPr/>
+                    <a:lstStyle/>
+                    <a:p>
+                      <a:endParaRPr lang="en-GB"/>
+                    </a:p>
+                  </a:txBody>
+                  <a:tcPr/>
+                </a:tc>
+                <a:tc hMerge="1">
+                  <a:txBody>
+                    <a:bodyPr/>
+                    <a:lstStyle/>
+                    <a:p>
+                      <a:endParaRPr lang="en-GB"/>
+                    </a:p>
+                  </a:txBody>
+                  <a:tcPr/>
+                </a:tc>
+                <a:tc hMerge="1">
+                  <a:txBody>
+                    <a:bodyPr/>
+                    <a:lstStyle/>
+                    <a:p>
+                      <a:endParaRPr lang="en-GB"/>
+                    </a:p>
+                  </a:txBody>
+                  <a:tcPr/>
+                </a:tc>
+                <a:extLst>
+                  <a:ext uri="{0D108BD9-81ED-4DB2-BD59-A6C34878D82A}">
+                    <a16:rowId xmlns:a16="http://schemas.microsoft.com/office/drawing/2014/main" val="1657431967"/>
+                  </a:ext>
+                </a:extLst>
+              </a:tr>
+              <a:tr h="0">
+                <a:tc>
+                  <a:txBody>
+                    <a:bodyPr/>
+                    <a:lstStyle/>
+                    <a:p>
+                      <a:pPr algn="ctr"/>
+                      <a:r>
+                        <a:rPr lang="en-GB"/>
+                        <a:t>8:00</a:t>
+                      </a:r>
+                    </a:p>
+                  </a:txBody>
+                  <a:tcPr anchor="ctr"/>
+                </a:tc>
+                <a:tc>
+                  <a:txBody>
+                    <a:bodyPr/>
+                    <a:lstStyle/>
+                    <a:p>
+                      <a:pPr algn="ctr"/>
+                      <a:r>
+                        <a:rPr lang="en-GB" dirty="0"/>
+                        <a:t>10:00</a:t>
+                      </a:r>
+                    </a:p>
+                  </a:txBody>
+                  <a:tcPr anchor="ctr"/>
+                </a:tc>
+                <a:tc>
+                  <a:txBody>
+                    <a:bodyPr/>
+                    <a:lstStyle/>
+                    <a:p>
+                      <a:pPr algn="ctr"/>
+                      <a:r>
+                        <a:rPr lang="en-GB" dirty="0"/>
+                        <a:t>12:00</a:t>
+                      </a:r>
+                    </a:p>
+                  </a:txBody>
+                  <a:tcPr anchor="ctr"/>
+                </a:tc>
+                <a:tc>
+                  <a:txBody>
+                    <a:bodyPr/>
+                    <a:lstStyle/>
+                    <a:p>
+                      <a:pPr algn="ctr"/>
+                      <a:r>
+                        <a:rPr lang="en-GB"/>
+                        <a:t>14:00</a:t>
+                      </a:r>
+                    </a:p>
+                  </a:txBody>
+                  <a:tcPr anchor="ctr"/>
+                </a:tc>
+                <a:extLst>
+                  <a:ext uri="{0D108BD9-81ED-4DB2-BD59-A6C34878D82A}">
+                    <a16:rowId xmlns:a16="http://schemas.microsoft.com/office/drawing/2014/main" val="3126464334"/>
+                  </a:ext>
+                </a:extLst>
+              </a:tr>
+              <a:tr h="0">
+                <a:tc>
+                  <a:txBody>
+                    <a:bodyPr/>
+                    <a:lstStyle/>
+                    <a:p>
+                      <a:pPr algn="ctr"/>
+                      <a:r>
+                        <a:rPr lang="en-GB"/>
+                        <a:t>24°</a:t>
+                      </a:r>
+                    </a:p>
+                  </a:txBody>
+                  <a:tcPr anchor="ctr"/>
+                </a:tc>
+                <a:tc>
+                  <a:txBody>
+                    <a:bodyPr/>
+                    <a:lstStyle/>
+                    <a:p>
+                      <a:pPr algn="ctr"/>
+                      <a:r>
+                        <a:rPr lang="en-GB"/>
+                        <a:t>32°</a:t>
+                      </a:r>
+                    </a:p>
+                  </a:txBody>
+                  <a:tcPr anchor="ctr"/>
+                </a:tc>
+                <a:tc>
+                  <a:txBody>
+                    <a:bodyPr/>
+                    <a:lstStyle/>
+                    <a:p>
+                      <a:pPr algn="ctr"/>
+                      <a:r>
+                        <a:rPr lang="en-GB"/>
+                        <a:t>36°</a:t>
+                      </a:r>
+                    </a:p>
+                  </a:txBody>
+                  <a:tcPr anchor="ctr"/>
+                </a:tc>
+                <a:tc>
+                  <a:txBody>
+                    <a:bodyPr/>
+                    <a:lstStyle/>
+                    <a:p>
+                      <a:pPr algn="ctr"/>
+                      <a:r>
+                        <a:rPr lang="en-GB" dirty="0"/>
+                        <a:t>29°</a:t>
+                      </a:r>
+                    </a:p>
+                  </a:txBody>
+                  <a:tcPr anchor="ctr"/>
+                </a:tc>
+                <a:extLst>
+                  <a:ext uri="{0D108BD9-81ED-4DB2-BD59-A6C34878D82A}">
+                    <a16:rowId xmlns:a16="http://schemas.microsoft.com/office/drawing/2014/main" val="1920246245"/>
+                  </a:ext>
+                </a:extLst>
+              </a:tr>
+            </a:tbl>
+          </a:graphicData>
+        </a:graphic>
+      </p:graphicFrame>
+      <p:pic>
+        <p:nvPicPr>
+          <p:cNvPr id="8" name="Content Placeholder 7">
+            <a:extLst>
+              <a:ext uri="{FF2B5EF4-FFF2-40B4-BE49-F238E27FC236}">
+                <a16:creationId xmlns:a16="http://schemas.microsoft.com/office/drawing/2014/main" id="{63883073-B27E-D0DE-F625-F69E7CD2C502}"/>
+              </a:ext>
+            </a:extLst>
+          </p:cNvPr>
+          <p:cNvPicPr>
+            <a:picLocks noGrp="1" noChangeAspect="1"/>
+          </p:cNvPicPr>
+          <p:nvPr>
+            <p:ph sz="quarter" idx="4"/>
+          </p:nvPr>
+        </p:nvPicPr>
+        <p:blipFill>
+          <a:blip r:embed="rId2">
+            <a:extLst>
+              <a:ext uri="{28A0092B-C50C-407E-A947-70E740481C1C}">
+                <a14:useLocalDpi xmlns:a14="http://schemas.microsoft.com/office/drawing/2010/main" val="0"/>
+              </a:ext>
+              <a:ext uri="{96DAC541-7B7A-43D3-8B79-37D633B846F1}">
+                <asvg:svgBlip xmlns:asvg="http://schemas.microsoft.com/office/drawing/2016/SVG/main" r:embed="rId3"/>
+              </a:ext>
+            </a:extLst>
+          </a:blip>
+          <a:stretch>
+            <a:fillRect/>
+          </a:stretch>
+        </p:blipFill>
+        <p:spPr>
+          <a:xfrm>
+            <a:off x="7120731" y="3018631"/>
+            <a:ext cx="3286125" cy="2657475"/>
+          </a:xfrm>
+          <a:prstGeom prst="rect">
+            <a:avLst/>
+          </a:prstGeom>
+        </p:spPr>
+      </p:pic>
+    </p:spTree>
+    <p:extLst>
+      <p:ext uri="{BB962C8B-B14F-4D97-AF65-F5344CB8AC3E}">
+        <p14:creationId xmlns:p14="http://schemas.microsoft.com/office/powerpoint/2010/main" val="876798736"/>
       </p:ext>
     </p:extLst>
   </p:cSld>
@@ -10312,18 +12103,18 @@
 </file>
 
 <file path=customXml/item1.xml><?xml version="1.0" encoding="utf-8"?>
-<p:properties xmlns:p="http://schemas.microsoft.com/office/2006/metadata/properties" xmlns:xsi="http://www.w3.org/2001/XMLSchema-instance" xmlns:pc="http://schemas.microsoft.com/office/infopath/2007/PartnerControls">
-  <documentManagement/>
-</p:properties>
-</file>
-
-<file path=customXml/item2.xml><?xml version="1.0" encoding="utf-8"?>
 <?mso-contentType ?>
 <FormTemplates xmlns="http://schemas.microsoft.com/sharepoint/v3/contenttype/forms">
   <Display>DocumentLibraryForm</Display>
   <Edit>DocumentLibraryForm</Edit>
   <New>DocumentLibraryForm</New>
 </FormTemplates>
+</file>
+
+<file path=customXml/item2.xml><?xml version="1.0" encoding="utf-8"?>
+<p:properties xmlns:p="http://schemas.microsoft.com/office/2006/metadata/properties" xmlns:xsi="http://www.w3.org/2001/XMLSchema-instance" xmlns:pc="http://schemas.microsoft.com/office/infopath/2007/PartnerControls">
+  <documentManagement/>
+</p:properties>
 </file>
 
 <file path=customXml/item3.xml><?xml version="1.0" encoding="utf-8"?>
@@ -10550,6 +12341,14 @@
 </file>
 
 <file path=customXml/itemProps1.xml><?xml version="1.0" encoding="utf-8"?>
+<ds:datastoreItem xmlns:ds="http://schemas.openxmlformats.org/officeDocument/2006/customXml" ds:itemID="{B78C18E8-5956-4005-88B6-24E50F597E86}">
+  <ds:schemaRefs>
+    <ds:schemaRef ds:uri="http://schemas.microsoft.com/sharepoint/v3/contenttype/forms"/>
+  </ds:schemaRefs>
+</ds:datastoreItem>
+</file>
+
+<file path=customXml/itemProps2.xml><?xml version="1.0" encoding="utf-8"?>
 <ds:datastoreItem xmlns:ds="http://schemas.openxmlformats.org/officeDocument/2006/customXml" ds:itemID="{39F53F71-995B-4347-AE24-486627DF4DE7}">
   <ds:schemaRefs>
     <ds:schemaRef ds:uri="http://www.w3.org/XML/1998/namespace"/>
@@ -10562,14 +12361,6 @@
     <ds:schemaRef ds:uri="http://schemas.microsoft.com/office/infopath/2007/PartnerControls"/>
     <ds:schemaRef ds:uri="f1448a4f-c496-4f45-8796-5407c200d9ee"/>
     <ds:schemaRef ds:uri="48e19d1c-8ee5-46f0-931b-038fc167ec2d"/>
-  </ds:schemaRefs>
-</ds:datastoreItem>
-</file>
-
-<file path=customXml/itemProps2.xml><?xml version="1.0" encoding="utf-8"?>
-<ds:datastoreItem xmlns:ds="http://schemas.openxmlformats.org/officeDocument/2006/customXml" ds:itemID="{B78C18E8-5956-4005-88B6-24E50F597E86}">
-  <ds:schemaRefs>
-    <ds:schemaRef ds:uri="http://schemas.microsoft.com/sharepoint/v3/contenttype/forms"/>
   </ds:schemaRefs>
 </ds:datastoreItem>
 </file>
